--- a/lectures/figures.pptx
+++ b/lectures/figures.pptx
@@ -7,6 +7,7 @@
   <p:sldIdLst>
     <p:sldId id="256" r:id="rId2"/>
     <p:sldId id="257" r:id="rId3"/>
+    <p:sldId id="258" r:id="rId4"/>
   </p:sldIdLst>
   <p:sldSz cx="9144000" cy="6858000" type="screen4x3"/>
   <p:notesSz cx="6858000" cy="9144000"/>
@@ -106,6 +107,256 @@
     </a:lvl9pPr>
   </p:defaultTextStyle>
 </p:presentation>
+</file>
+
+<file path=ppt/ink/ink1.xml><?xml version="1.0" encoding="utf-8"?>
+<inkml:ink xmlns:inkml="http://www.w3.org/2003/InkML">
+  <inkml:definitions>
+    <inkml:context xml:id="ctx0">
+      <inkml:inkSource xml:id="inkSrc0">
+        <inkml:traceFormat>
+          <inkml:channel name="X" type="integer" min="-2.14748E9" max="2.14748E9" units="cm"/>
+          <inkml:channel name="Y" type="integer" min="-2.14748E9" max="2.14748E9" units="cm"/>
+          <inkml:channel name="F" type="integer" max="32767" units="dev"/>
+        </inkml:traceFormat>
+        <inkml:channelProperties>
+          <inkml:channelProperty channel="X" name="resolution" value="1000" units="1/cm"/>
+          <inkml:channelProperty channel="Y" name="resolution" value="1000" units="1/cm"/>
+          <inkml:channelProperty channel="F" name="resolution" value="0" units="1/dev"/>
+        </inkml:channelProperties>
+      </inkml:inkSource>
+      <inkml:timestamp xml:id="ts0" timeString="2024-07-12T15:36:57.362"/>
+    </inkml:context>
+    <inkml:brush xml:id="br0">
+      <inkml:brushProperty name="width" value="0.05" units="cm"/>
+      <inkml:brushProperty name="height" value="0.05" units="cm"/>
+    </inkml:brush>
+  </inkml:definitions>
+  <inkml:trace contextRef="#ctx0" brushRef="#br0">0 1330 24575,'16'0'0,"1"0"0,11 0 0,11 0 0,0 0 0,-3 0 0,-12 0 0,-7 0 0,1 2 0,-1 0 0,-1 1 0,-1 1 0,-5-2 0,0 0 0,-3 0 0,0-1 0,0 1 0,0 0 0,0-2 0,-1 0 0,-1 1 0,-1 0 0,0 1 0,1-1 0,1-1 0,0 0 0,-1 0 0,0 0 0,1 0 0,0 0 0,1 0 0,-1 0 0,1 0 0,0 0 0,2 0 0,0 0 0,2 0 0,2 0 0,-1 0 0,2 0 0,-1 0 0,-2 0 0,1 0 0,-2 0 0,-2 0 0,0 0 0,-1 0 0,1 0 0,-2 0 0,1 0 0,0 0 0,0 0 0,0 0 0,-1 0 0,0 0 0,-1 0 0,1 0 0,2 0 0,3 0 0,4 0 0,3 0 0,0 0 0,3 0 0,-1 0 0,2 0 0,3 0 0,1 0 0,2 0 0,0 0 0,-1 0 0,-2 0 0,2-2 0,-2 0 0,0-1 0,1 1 0,-1 2 0,3 0 0,0 0 0,1 0 0,0 0 0,-3 0 0,-1-2 0,1 0 0,-3-1 0,-1 1 0,-3 2 0,-3 0 0,0-2 0,-2 0 0,1 0 0,-2 0 0,-1 2 0,0 0 0,-2 0 0,3 0 0,1 0 0,1 0 0,1-2 0,0 0 0,3 0 0,1 0 0,-1 0 0,3 0 0,-3 0 0,0 0 0,2 0 0,-4-1 0,0 1 0,0 0 0,-1 2 0,3 0 0,0 0 0,0 0 0,-2-2 0,0 0 0,-1 0 0,0 0 0,1 0 0,-3 0 0,-1 0 0,1 0 0,-3 0 0,1 0 0,1 1 0,-1-1 0,1 1 0,0-1 0,-1 1 0,2-3 0,2 2 0,0 0 0,-2 0 0,0 0 0,0 0 0,0-1 0,2 0 0,3 0 0,0 1 0,0-1 0,-1 1 0,-2-1 0,2 0 0,1 1 0,3-2 0,1 0 0,-1 0 0,2 0 0,-1 1 0,2 1 0,-2-2 0,-2 1 0,-2-1 0,1 0 0,-3 2 0,-1-2 0,0 2 0,-2 0 0,1-2 0,0 2 0,-1-1 0,-2-1 0,0 2 0,2-1 0,0-1 0,2-1 0,0 0 0,0-1 0,3-1 0,1 0 0,2 1 0,0-1 0,-1 0 0,4-1 0,-1-1 0,4 0 0,-3 0 0,-1 1 0,3 0 0,1-1 0,4-1 0,2 0 0,-2 0 0,1 0 0,2 0 0,-2 0 0,0 2 0,-1 1 0,-4 0 0,-3 0 0,0 0 0,-5 2 0,-3 0 0,-1 0 0,0-3 0,1 2 0,0-1 0,-1 1 0,-3 1 0,-1-1 0,-2 2 0,-1 0 0,1 0 0,-1 1 0,2-1 0,-1 0 0,-1 1 0,2-1 0,-2-1 0,-1 0 0,1 0 0,1 1 0,0-1 0,3-1 0,0-1 0,1-1 0,2 0 0,0 0 0,0 0 0,1 0 0,-1-1 0,0 1 0,1 0 0,-1 0 0,2 0 0,1 0 0,0-1 0,-2 2 0,-1 0 0,0-1 0,2-1 0,0-1 0,-1 0 0,-1 0 0,-2 2 0,1 0 0,-1 0 0,0 0 0,2-1 0,0 1 0,0 0 0,-2 0 0,-1 1 0,-2 1 0,-2 1 0,0 1 0,-1 0 0,0 0 0,1-2 0,0 1 0,0-1 0,1 1 0,-1-1 0,0 1 0,0-1 0,0 0 0,2 1 0,-1-1 0,1 1 0,0 0 0,-2 0 0,0 0 0,-1-1 0,2-1 0,3 0 0,1-2 0,2-1 0,2-2 0,0 0 0,3-2 0,4-2 0,0 0 0,3-3 0,4 0 0,0-1 0,3-3 0,2 0 0,-5-1 0,4-2 0,-3 2 0,5-4 0,0 0 0,-2 1 0,-3 0 0,-7 6 0,-4 2 0,-5 5 0,-2 4 0,-1 0 0,-2 2 0,-2 0 0,-1 1 0,-3 2 0,1 1 0,-1 2 0,0-1 0,0 0 0,0 0 0,-3 1 0,0 2 0</inkml:trace>
+</inkml:ink>
+</file>
+
+<file path=ppt/ink/ink2.xml><?xml version="1.0" encoding="utf-8"?>
+<inkml:ink xmlns:inkml="http://www.w3.org/2003/InkML">
+  <inkml:definitions>
+    <inkml:context xml:id="ctx0">
+      <inkml:inkSource xml:id="inkSrc0">
+        <inkml:traceFormat>
+          <inkml:channel name="X" type="integer" min="-2.14748E9" max="2.14748E9" units="cm"/>
+          <inkml:channel name="Y" type="integer" min="-2.14748E9" max="2.14748E9" units="cm"/>
+          <inkml:channel name="F" type="integer" max="32767" units="dev"/>
+        </inkml:traceFormat>
+        <inkml:channelProperties>
+          <inkml:channelProperty channel="X" name="resolution" value="1000" units="1/cm"/>
+          <inkml:channelProperty channel="Y" name="resolution" value="1000" units="1/cm"/>
+          <inkml:channelProperty channel="F" name="resolution" value="0" units="1/dev"/>
+        </inkml:channelProperties>
+      </inkml:inkSource>
+      <inkml:timestamp xml:id="ts0" timeString="2024-07-12T15:37:07.004"/>
+    </inkml:context>
+    <inkml:brush xml:id="br0">
+      <inkml:brushProperty name="width" value="0.05" units="cm"/>
+      <inkml:brushProperty name="height" value="0.05" units="cm"/>
+    </inkml:brush>
+  </inkml:definitions>
+  <inkml:trace contextRef="#ctx0" brushRef="#br0">1 4125 24575,'8'0'0,"2"-3"0,9-4 0,7-3 0,7-2 0,1-1 0,-3 0 0,-2-1 0,-1 0 0,1 0 0,-3 0 0,-1 0 0,-3 1 0,-3 2 0,-1 0 0,-5 4 0,-1 1 0,-2-1 0,-1 2 0,-1-1 0,0 3 0,-3-1 0,0 0 0,-2 1 0,0-1 0,1 1 0,1-1 0,1-2 0,2-4 0,5-3 0,3-3 0,6-4 0,1-2 0,-2 2 0,-1 0 0,-6 5 0,-2 3 0,-3 3 0,-2 3 0,-1 0 0,-1 2 0,1 0 0,0-1 0,1-1 0,0 0 0,-1-1 0,0 0 0,-1 0 0,0-1 0,2-4 0,5-2 0,2-4 0,3-1 0,4-4 0,3-4 0,4-1 0,3-3 0,3-2 0,2 0 0,1 0 0,-2 2 0,-6 2 0,-1 4 0,-3 2 0,-4 3 0,-2 2 0,1-1 0,0-2 0,3 0 0,3-2 0,-4 3 0,4-3 0,-2-2 0,1 0 0,1-1 0,-1 1 0,0-2 0,0-1 0,0 1 0,0 0 0,0 1 0,0 1 0,-1 1 0,-3 3 0,-1 1 0,-4 3 0,0 2 0,0-1 0,-2 2 0,0 0 0,0 0 0,0-1 0,4-1 0,2 0 0,0 1 0,-1 0 0,-3 1 0,-1-2 0,4-1 0,1 0 0,2-1 0,1-2 0,-4 0 0,3 0 0,-4 1 0,-3 5 0,-2 3 0,-5 1 0,1 3 0,-1-1 0,1-1 0,0 1 0,2-3 0,1-1 0,0-2 0,4-3 0,3-4 0,1-1 0,3-2 0,-2 1 0,3-1 0,-2 1 0,-3 2 0,1 0 0,-3 4 0,3-3 0,-1 0 0,-3 0 0,0 0 0,-2 3 0,1 0 0,1 1 0,-2 2 0,0 0 0,0 0 0,0 0 0,2-2 0,-2 2 0,-1 0 0,1-1 0,3-3 0,2-3 0,4-4 0,3-2 0,4-6 0,2-3 0,1-1 0,-2 2 0,-2 2 0,-4 4 0,-3 5 0,-1 3 0,-2 1 0,0 0 0,-5 1 0,-1 2 0,1 1 0,2-2 0,3-2 0,1-2 0,-3 1 0,1 0 0,1 1 0,1-3 0,1-2 0,3-2 0,-2 0 0,3 0 0,1-3 0,-1 1 0,-1-2 0,1 2 0,-3 7 0,-3-1 0,-2 4 0,-2 0 0,1-2 0,1 1 0,-2 3 0,0 2 0,-1 0 0,-1 0 0,1-1 0,0 0 0,1-4 0,0 3 0,0 0 0,-4 3 0,-1 4 0,-2 1 0,-1 3 0,-1 0 0,0-1 0,0 0 0,2-1 0,1-3 0,0 0 0,0 1 0,-1 0 0,1 3 0,2-3 0,1-1 0,0-1 0,-3 0 0,-2 4 0,-1 2 0,1-1 0,1 1 0,0-2 0,3-1 0,-1 0 0,0-1 0,-1 2 0,-2 3 0,-1-1 0,-1 1 0,-2 0 0,1 0 0,0 1 0,0-2 0,2 0 0,0-3 0,1-1 0,2 0 0,2-1 0,3-3 0,1 0 0,-1 0 0,0 0 0,-2 2 0,-2 3 0,-2 0 0,-2 4 0,0 0 0,0-1 0,0 0 0,1-3 0,0 1 0,0 0 0,0 1 0,0 0 0,-1 0 0,1-1 0,1-2 0,-1 1 0,0 0 0,0 2 0,-1 0 0,1 1 0,-1 0 0,-1 0 0,3 0 0,0 0 0,1-2 0,-1 3 0,0-1 0,-1 1 0,-1 0 0,0-2 0,-1 2 0,0 0 0,0 2 0,1-3 0,1-1 0,2-1 0,0-1 0,0 4 0,0-2 0,-1 1 0,2-1 0,1-2 0,-1 2 0,-1 1 0,-2 0 0,0 3 0,-1-1 0,-1 0 0,-1 2 0,1 0 0,1-1 0,-1 0 0,1-2 0,0 2 0,0 0 0,-1-1 0,-2 1 0,0-1 0,1 2 0,-1-1 0,1 2 0,0-1 0,0-1 0,0 2 0,0-1 0,0-1 0,2 0 0,-1-1 0,2-1 0,-1 1 0,1-1 0,-1 1 0,1-1 0,0 0 0,-1 1 0,0 0 0,0 1 0,0 0 0,0 0 0,1-1 0,0 0 0,-1 1 0,1-1 0,-1 2 0,0 0 0,1 0 0,-3-2 0,1 1 0,-1 1 0,1 1 0,0 1 0,1-1 0,0-1 0,1 0 0,0-1 0,-1 1 0,1 0 0,0-1 0,0 1 0,-1 0 0,0 1 0,-1 1 0,1 0 0,0 0 0,1 0 0,-1 0 0,0 0 0,0 0 0,0 0 0,0 0 0,1 0 0,-1 0 0,-1 0 0,1 0 0,-2 1 0,0 0 0,1 2 0,-1 0 0,2 1 0,0 0 0,0-1 0,-2 1 0,0-1 0,0 0 0,1 0 0,1 1 0,1-1 0,0-1 0,-2 1 0,0-1 0,0 1 0,-1 0 0,1 0 0,-1-1 0,0 0 0,1 1 0,1-1 0,-1 1 0,-1 0 0,0-2 0,-1 2 0,1-2 0,1 2 0,0 1 0,2-1 0,-1 0 0,1 0 0,-1 0 0,1 0 0,-1 1 0,-1-1 0,1 0 0,0-1 0,1 1 0,-2 1 0,0-1 0,0 0 0,1 2 0,0-1 0,1 1 0,0-1 0,-1 0 0,0 1 0,-1 0 0,-1-1 0,1 0 0,2 0 0,0-1 0,-1 0 0,-1 0 0,1 1 0,0 1 0,3 1 0,0 0 0,0-1 0,2 0 0,-2 1 0,1 0 0,-1-1 0,0 0 0,0-1 0,0 1 0,2 1 0,-2-1 0,2 2 0,1 0 0,0-1 0,0 1 0,0 0 0,1 0 0,1 1 0,2 0 0,-1 0 0,-1 0 0,-3 0 0,1-1 0,2 3 0,0 0 0,0-1 0,-1 2 0,0-1 0,-2-1 0,0-1 0,-3 0 0,-1 1 0,0 0 0,-1-1 0,1-1 0,-1 0 0,1-1 0,-1 1 0,1 0 0,0 0 0,0 0 0,0 0 0,0 1 0,0 1 0,0 2 0,-1 0 0,1 0 0,0-1 0,-1 0 0,1 1 0,0-1 0,0 1 0,1 1 0,-1-1 0,1 1 0,0-1 0,-1 1 0,0-1 0,1 1 0,1 0 0,1-1 0,0 3 0,-1-2 0,-1 2 0,0 0 0,3-2 0,1 3 0,-1-1 0,-1 1 0,0-1 0,0-1 0,1 1 0,1 0 0,0 2 0,2 1 0,-1-1 0,1 0 0,-1 0 0,0 0 0,0 0 0,-1-3 0,0 3 0,1-2 0,-2 0 0,1 2 0,1-4 0,0 6 0,1 1 0,0 0 0,0 2 0,0-1 0,0 0 0,0-1 0,-1-3 0,-1 0 0,1 3 0,1 0 0,-1 0 0,0-3 0,-1 0 0,1 3 0,2 2 0,0 2 0,1 2 0,1 1 0,1 2 0,0-2 0,-1-1 0,-2-3 0,-1 0 0,0 1 0,1-1 0,1 2 0,-2-2 0,4 5 0,-2-2 0,1 0 0,1 4 0,0 0 0,1 2 0,1 3 0,-1-1 0,4 0 0,0 0 0,0 1 0,0 0 0,-2 2 0,-1-1 0,3 2 0,0-2 0,-1-2 0,-1 0 0,-1 1 0,1 2 0,3 4 0,0 0 0,-2 2 0,0 5 0,1 0 0,-1 1 0,0-3 0,0-2 0,-1 0 0,1 4 0,1 1 0,-1-1 0,0 3 0,0-4 0,-1 1 0,-1-6 0,0-3 0,2 0 0,1 1 0,1 5 0,-2-1 0,3 2 0,0-4 0,0 0 0,-1-3 0,-4-5 0,4 4 0,0 0 0,0 1 0,3 2 0,-5-7 0,-2-3 0,0-2 0,-4-4 0,2 2 0,0-1 0,-2-2 0,0-2 0,-3-2 0,0-2 0,-1 0 0,0 0 0,1-1 0,-1-2 0,0 0 0,-2 0 0,2 0 0,-2 2 0,0-2 0,1 1 0,0 1 0,0 1 0,2 1 0,0 0 0,0 1 0,4 1 0,-1 3 0,3 2 0,2 0 0,-1 1 0,0-2 0,0-3 0,1 1 0,-1-3 0,-2 1 0,-2-2 0,-2-1 0,-1-1 0,0 1 0,1 0 0,0-1 0,2 1 0,2-1 0,2 4 0,-1 0 0,4 3 0,2 1 0,-2-3 0,4 4 0,-1-4 0,1 4 0,3 0 0,-4-4 0,-4-2 0,-1-4 0,-2 1 0,4 0 0,-1-1 0,1 1 0,-1-2 0,1 0 0,0 0 0,-1-1 0,1 1 0,-1-2 0,0 0 0,-2-1 0,1 2 0,-4-2 0,0-1 0,-2-1 0,-3-2 0,-1 0 0,1 0 0,-1 1 0,-1-1 0,1 0 0,-1 0 0,1 1 0,1-1 0,-1 1 0,3-1 0,-2 1 0,-1 1 0,-1 1 0,-3-1 0,-1 0 0,0-3 0,0-1 0,-1 1 0,-1 0 0,0 1 0,-1-1 0,2 1 0,0 0 0,0 0 0,0-2 0,-1 0 0,-1-2 0,0 0 0,-1 2 0,1-2 0,-2 1 0,1 0 0,-1 1 0,0 1 0,0-2 0,2 1 0,1-1 0,0 1 0,0 1 0,-2-1 0,1-1 0,0-1 0,1-1 0,-1 1 0,1-1 0,0-1 0,-1 2 0,2-2 0,-3 1 0,-1-1 0</inkml:trace>
+</inkml:ink>
+</file>
+
+<file path=ppt/ink/ink3.xml><?xml version="1.0" encoding="utf-8"?>
+<inkml:ink xmlns:inkml="http://www.w3.org/2003/InkML">
+  <inkml:definitions>
+    <inkml:context xml:id="ctx0">
+      <inkml:inkSource xml:id="inkSrc0">
+        <inkml:traceFormat>
+          <inkml:channel name="X" type="integer" min="-2.14748E9" max="2.14748E9" units="cm"/>
+          <inkml:channel name="Y" type="integer" min="-2.14748E9" max="2.14748E9" units="cm"/>
+          <inkml:channel name="F" type="integer" max="32767" units="dev"/>
+        </inkml:traceFormat>
+        <inkml:channelProperties>
+          <inkml:channelProperty channel="X" name="resolution" value="1000" units="1/cm"/>
+          <inkml:channelProperty channel="Y" name="resolution" value="1000" units="1/cm"/>
+          <inkml:channelProperty channel="F" name="resolution" value="0" units="1/dev"/>
+        </inkml:channelProperties>
+      </inkml:inkSource>
+      <inkml:timestamp xml:id="ts0" timeString="2024-07-12T15:38:18.035"/>
+    </inkml:context>
+    <inkml:brush xml:id="br0">
+      <inkml:brushProperty name="width" value="0.05" units="cm"/>
+      <inkml:brushProperty name="height" value="0.05" units="cm"/>
+      <inkml:brushProperty name="color" value="#AB008B"/>
+    </inkml:brush>
+  </inkml:definitions>
+  <inkml:trace contextRef="#ctx0" brushRef="#br0">1 275 24575,'5'-4'0,"1"0"0,-3 0 0,1 1 0,-1-1 0,-1 1 0,1 0 0,0 0 0,0 0 0,0 0 0,0 0 0,0 0 0,2 0 0,0-2 0,1 0 0,0-1 0,0 2 0,-1 0 0,2-1 0,-1 0 0,1-1 0,1 0 0,2 1 0,-1 0 0,0 1 0,-2 0 0,0 1 0,0 0 0,-1-1 0,-1-1 0,0 2 0,-1 0 0,0-1 0,2 1 0,0-1 0,0-1 0,1 0 0,0-1 0,0 1 0,-1 1 0,1 1 0,0-1 0,-2 1 0,0-1 0,0 1 0,0 0 0,2-1 0,-2 2 0,-1-1 0,1 0 0,-1 1 0,0-1 0,1 1 0,0 0 0,0-1 0,1 1 0,0-1 0,-1-1 0,-1 1 0,2 0 0,0-1 0,1-1 0,-1 2 0,1-2 0,-1 2 0,-2 0 0,0 0 0,0 1 0,0-1 0,0 1 0,0 0 0,0 1 0,2 1 0,0 0 0,0 0 0,1 0 0,-1-1 0,0-1 0,0-1 0,0 0 0,-1 1 0,1 1 0,0 0 0,-1 0 0,-2 1 0,-2-2 0</inkml:trace>
+</inkml:ink>
+</file>
+
+<file path=ppt/ink/ink4.xml><?xml version="1.0" encoding="utf-8"?>
+<inkml:ink xmlns:inkml="http://www.w3.org/2003/InkML">
+  <inkml:definitions>
+    <inkml:context xml:id="ctx0">
+      <inkml:inkSource xml:id="inkSrc0">
+        <inkml:traceFormat>
+          <inkml:channel name="X" type="integer" min="-2.14748E9" max="2.14748E9" units="cm"/>
+          <inkml:channel name="Y" type="integer" min="-2.14748E9" max="2.14748E9" units="cm"/>
+          <inkml:channel name="F" type="integer" max="32767" units="dev"/>
+        </inkml:traceFormat>
+        <inkml:channelProperties>
+          <inkml:channelProperty channel="X" name="resolution" value="1000" units="1/cm"/>
+          <inkml:channelProperty channel="Y" name="resolution" value="1000" units="1/cm"/>
+          <inkml:channelProperty channel="F" name="resolution" value="0" units="1/dev"/>
+        </inkml:channelProperties>
+      </inkml:inkSource>
+      <inkml:timestamp xml:id="ts0" timeString="2024-07-12T15:38:20.207"/>
+    </inkml:context>
+    <inkml:brush xml:id="br0">
+      <inkml:brushProperty name="width" value="0.05" units="cm"/>
+      <inkml:brushProperty name="height" value="0.05" units="cm"/>
+      <inkml:brushProperty name="color" value="#AB008B"/>
+    </inkml:brush>
+  </inkml:definitions>
+  <inkml:trace contextRef="#ctx0" brushRef="#br0">1 340 24575,'12'0'0,"-2"0"0,0 0 0,-1 0 0,-2 0 0,-1-1 0,3-1 0,0-2 0,-1-1 0,0 0 0,-2 0 0,1 0 0,0 1 0,-1 1 0,1-1 0,0 1 0,0-1 0,0 1 0,-1-1 0,-1 1 0,0 0 0,-1 0 0,0 0 0,1 0 0,-1 0 0,-1 0 0,0-2 0,2 1 0,0 0 0,1-1 0,1-1 0,0 0 0,-1-1 0,1 1 0,-1 0 0,1 2 0,-1-1 0,0 2 0,-2-2 0,1 1 0,-1-1 0,1 0 0,2 0 0,-2 0 0,0 0 0,0-1 0,0 1 0,2 2 0,-2-1 0,0 1 0,0 0 0,-1-1 0,2 1 0,0-1 0,-1 0 0,2-2 0,0-1 0,0 0 0,1 0 0,1 0 0,1 0 0,-1-1 0,-2 3 0,0 0 0,-1 0 0,1 0 0,-1 0 0,0 0 0,0 2 0,0 2 0,0-2 0,0-1 0,1 1 0,0-1 0,-1 1 0,1 1 0,-1 1 0,1-1 0,-1 0 0,1 1 0,0-3 0,-1 1 0,0 1 0,0-1 0,0 2 0,0-1 0,0 1 0,0-1 0,-1 0 0,0 0 0,0 0 0,-1 2 0,-3 0 0,-6 0 0,2 0 0,-2 0 0</inkml:trace>
+</inkml:ink>
+</file>
+
+<file path=ppt/ink/ink5.xml><?xml version="1.0" encoding="utf-8"?>
+<inkml:ink xmlns:inkml="http://www.w3.org/2003/InkML">
+  <inkml:definitions>
+    <inkml:context xml:id="ctx0">
+      <inkml:inkSource xml:id="inkSrc0">
+        <inkml:traceFormat>
+          <inkml:channel name="X" type="integer" min="-2.14748E9" max="2.14748E9" units="cm"/>
+          <inkml:channel name="Y" type="integer" min="-2.14748E9" max="2.14748E9" units="cm"/>
+          <inkml:channel name="F" type="integer" max="32767" units="dev"/>
+        </inkml:traceFormat>
+        <inkml:channelProperties>
+          <inkml:channelProperty channel="X" name="resolution" value="1000" units="1/cm"/>
+          <inkml:channelProperty channel="Y" name="resolution" value="1000" units="1/cm"/>
+          <inkml:channelProperty channel="F" name="resolution" value="0" units="1/dev"/>
+        </inkml:channelProperties>
+      </inkml:inkSource>
+      <inkml:timestamp xml:id="ts0" timeString="2024-07-12T15:38:22.337"/>
+    </inkml:context>
+    <inkml:brush xml:id="br0">
+      <inkml:brushProperty name="width" value="0.05" units="cm"/>
+      <inkml:brushProperty name="height" value="0.05" units="cm"/>
+      <inkml:brushProperty name="color" value="#AB008B"/>
+    </inkml:brush>
+  </inkml:definitions>
+  <inkml:trace contextRef="#ctx0" brushRef="#br0">1 358 24575,'9'-2'0,"1"-1"0,10-6 0,5-6 0,7-4 0,1-2 0,-4 1 0,1 1 0,-4 1 0,-2 2 0,-4 3 0,-4 2 0,1 2 0,-3 4 0,0-1 0,-3 0 0,-2 1 0,-1 0 0,-2 2 0,-1 1 0,1-2 0,1 1 0,0-2 0,-1 1 0,1-1 0,0 0 0,2 1 0,0-1 0,1 0 0,0 2 0,0-2 0,-1 0 0,0 1 0,-3-1 0,0 2 0,0 0 0,0 0 0,0 1 0,0-1 0,1 1 0,0 0 0,-1-1 0,1 1 0,0 0 0,-1 1 0,1-1 0,-1 0 0,1 0 0,-1 1 0,2-1 0,2 0 0,2-2 0,2 1 0,-1-1 0,3 1 0,-1-1 0,0 1 0,1 1 0,-3-1 0,0 1 0,-1-2 0,0 1 0,-1 1 0,-1 0 0,-2 2 0,-1-1 0,-1-1 0,0 0 0,0 0 0,-2 1 0,1-1 0,-3 1 0,-1-1 0</inkml:trace>
+</inkml:ink>
+</file>
+
+<file path=ppt/ink/ink6.xml><?xml version="1.0" encoding="utf-8"?>
+<inkml:ink xmlns:inkml="http://www.w3.org/2003/InkML">
+  <inkml:definitions>
+    <inkml:context xml:id="ctx0">
+      <inkml:inkSource xml:id="inkSrc0">
+        <inkml:traceFormat>
+          <inkml:channel name="X" type="integer" min="-2.14748E9" max="2.14748E9" units="cm"/>
+          <inkml:channel name="Y" type="integer" min="-2.14748E9" max="2.14748E9" units="cm"/>
+          <inkml:channel name="F" type="integer" max="32767" units="dev"/>
+        </inkml:traceFormat>
+        <inkml:channelProperties>
+          <inkml:channelProperty channel="X" name="resolution" value="1000" units="1/cm"/>
+          <inkml:channelProperty channel="Y" name="resolution" value="1000" units="1/cm"/>
+          <inkml:channelProperty channel="F" name="resolution" value="0" units="1/dev"/>
+        </inkml:channelProperties>
+      </inkml:inkSource>
+      <inkml:timestamp xml:id="ts0" timeString="2024-07-12T15:38:23.986"/>
+    </inkml:context>
+    <inkml:brush xml:id="br0">
+      <inkml:brushProperty name="width" value="0.05" units="cm"/>
+      <inkml:brushProperty name="height" value="0.05" units="cm"/>
+      <inkml:brushProperty name="color" value="#AB008B"/>
+    </inkml:brush>
+  </inkml:definitions>
+  <inkml:trace contextRef="#ctx0" brushRef="#br0">0 255 24575,'10'0'0,"0"0"0,-1 0 0,0 0 0,5-1 0,-3-1 0,6 0 0,-6-1 0,2-1 0,-2-1 0,0 0 0,0 1 0,-2 0 0,2 0 0,-2 1 0,1 0 0,0 0 0,-1-2 0,4 2 0,0-3 0,3 1 0,0-2 0,3-1 0,0 2 0,0-1 0,2 1 0,-2-1 0,3-1 0,-2-1 0,-3-1 0,-2 1 0,-4 1 0,2 2 0,-3 1 0,-1 1 0,-1-1 0,-1 2 0,0-1 0,0 0 0,0 1 0,0-2 0,0 1 0,-1 1 0,1 0 0,0 1 0,-1-1 0,1-2 0,-1 1 0,0-1 0,0 2 0,0 1 0,0 0 0,0 0 0,1-1 0,0 0 0,0 0 0,-1 0 0,1 1 0,0-1 0,0 0 0,0 1 0,-1-2 0,1 3 0,-1-1 0,-2 0 0,-2 2 0</inkml:trace>
+</inkml:ink>
+</file>
+
+<file path=ppt/ink/ink7.xml><?xml version="1.0" encoding="utf-8"?>
+<inkml:ink xmlns:inkml="http://www.w3.org/2003/InkML">
+  <inkml:definitions>
+    <inkml:context xml:id="ctx0">
+      <inkml:inkSource xml:id="inkSrc0">
+        <inkml:traceFormat>
+          <inkml:channel name="X" type="integer" min="-2.14748E9" max="2.14748E9" units="cm"/>
+          <inkml:channel name="Y" type="integer" min="-2.14748E9" max="2.14748E9" units="cm"/>
+          <inkml:channel name="F" type="integer" max="32767" units="dev"/>
+        </inkml:traceFormat>
+        <inkml:channelProperties>
+          <inkml:channelProperty channel="X" name="resolution" value="1000" units="1/cm"/>
+          <inkml:channelProperty channel="Y" name="resolution" value="1000" units="1/cm"/>
+          <inkml:channelProperty channel="F" name="resolution" value="0" units="1/dev"/>
+        </inkml:channelProperties>
+      </inkml:inkSource>
+      <inkml:timestamp xml:id="ts0" timeString="2024-07-12T15:38:26.327"/>
+    </inkml:context>
+    <inkml:brush xml:id="br0">
+      <inkml:brushProperty name="width" value="0.05" units="cm"/>
+      <inkml:brushProperty name="height" value="0.05" units="cm"/>
+      <inkml:brushProperty name="color" value="#AB008B"/>
+    </inkml:brush>
+  </inkml:definitions>
+  <inkml:trace contextRef="#ctx0" brushRef="#br0">1 328 24575,'1'-3'0,"8"-4"0,15-2 0,6-5 0,4-4 0,-3-1 0,-4 1 0,-2 3 0,-1 0 0,1 3 0,0 1 0,1 0 0,-1 1 0,0-1 0,-1 1 0,-1 1 0,-4 0 0,-2 2 0,-1-1 0,-1 2 0,-2 0 0,-2 1 0,0 1 0,0-1 0,-1 1 0,2 0 0,-1 0 0,1 0 0,-1 0 0,1 0 0,-1-2 0,1 2 0,0-1 0,-3 1 0,2 2 0,-1-1 0,-1 1 0,0-2 0,-3 1 0,0 1 0,0 1 0,1 1 0,1-1 0,1-1 0,0-1 0,-2 0 0,2 1 0,0 0 0,1 1 0,-2 1 0,-1 0 0,0 0 0,0 0 0,0-1 0,-1-1 0,-1 0 0,1 1 0,0 1 0,0 0 0,0 0 0,0 0 0,2 0 0,-1 0 0,2 0 0,-2 0 0,2 0 0,0 0 0,0 0 0,-2-1 0,0-1 0,-3 0 0,-1 1 0</inkml:trace>
+</inkml:ink>
+</file>
+
+<file path=ppt/ink/ink8.xml><?xml version="1.0" encoding="utf-8"?>
+<inkml:ink xmlns:inkml="http://www.w3.org/2003/InkML">
+  <inkml:definitions>
+    <inkml:context xml:id="ctx0">
+      <inkml:inkSource xml:id="inkSrc0">
+        <inkml:traceFormat>
+          <inkml:channel name="X" type="integer" min="-2.14748E9" max="2.14748E9" units="cm"/>
+          <inkml:channel name="Y" type="integer" min="-2.14748E9" max="2.14748E9" units="cm"/>
+          <inkml:channel name="F" type="integer" max="32767" units="dev"/>
+        </inkml:traceFormat>
+        <inkml:channelProperties>
+          <inkml:channelProperty channel="X" name="resolution" value="1000" units="1/cm"/>
+          <inkml:channelProperty channel="Y" name="resolution" value="1000" units="1/cm"/>
+          <inkml:channelProperty channel="F" name="resolution" value="0" units="1/dev"/>
+        </inkml:channelProperties>
+      </inkml:inkSource>
+      <inkml:timestamp xml:id="ts0" timeString="2024-07-12T15:38:28.111"/>
+    </inkml:context>
+    <inkml:brush xml:id="br0">
+      <inkml:brushProperty name="width" value="0.05" units="cm"/>
+      <inkml:brushProperty name="height" value="0.05" units="cm"/>
+      <inkml:brushProperty name="color" value="#AB008B"/>
+    </inkml:brush>
+  </inkml:definitions>
+  <inkml:trace contextRef="#ctx0" brushRef="#br0">1 235 24575,'14'0'0,"1"-3"0,5 0 0,1-4 0,1-3 0,-1 1 0,-3-1 0,-1 2 0,-2 1 0,-1 2 0,-1-1 0,-1 2 0,-3-1 0,1 1 0,-2-1 0,0 0 0,1 0 0,0 0 0,1 1 0,-1 0 0,0 1 0,0-1 0,0 0 0,2 0 0,1 0 0,0-1 0,1 1 0,1-2 0,-3 3 0,2-1 0,-1-2 0,-1 2 0,-1 0 0,-2 1 0,0 0 0,-2 0 0,1-1 0,0 1 0,0-1 0,-1 1 0,1 1 0,0 0 0,0 0 0,-1 0 0,1 0 0,-1 1 0,0-1 0,0 0 0,0 1 0,0-1 0,0 2 0,0 0 0,1 0 0,0 0 0,-1-1 0,1-1 0,0 0 0,-1 0 0,3 2 0,2 0 0,0-1 0,1 0 0,-2-1 0,0 1 0,2-1 0,0-1 0,0 1 0,-3 0 0,-1 2 0,-1 0 0,0 0 0,-2-2 0,-2 0 0,-1 0 0,-2-1 0</inkml:trace>
+</inkml:ink>
+</file>
+
+<file path=ppt/ink/ink9.xml><?xml version="1.0" encoding="utf-8"?>
+<inkml:ink xmlns:inkml="http://www.w3.org/2003/InkML">
+  <inkml:definitions>
+    <inkml:context xml:id="ctx0">
+      <inkml:inkSource xml:id="inkSrc0">
+        <inkml:traceFormat>
+          <inkml:channel name="X" type="integer" min="-2.14748E9" max="2.14748E9" units="cm"/>
+          <inkml:channel name="Y" type="integer" min="-2.14748E9" max="2.14748E9" units="cm"/>
+          <inkml:channel name="F" type="integer" max="32767" units="dev"/>
+        </inkml:traceFormat>
+        <inkml:channelProperties>
+          <inkml:channelProperty channel="X" name="resolution" value="1000" units="1/cm"/>
+          <inkml:channelProperty channel="Y" name="resolution" value="1000" units="1/cm"/>
+          <inkml:channelProperty channel="F" name="resolution" value="0" units="1/dev"/>
+        </inkml:channelProperties>
+      </inkml:inkSource>
+      <inkml:timestamp xml:id="ts0" timeString="2024-07-12T15:38:30.862"/>
+    </inkml:context>
+    <inkml:brush xml:id="br0">
+      <inkml:brushProperty name="width" value="0.05" units="cm"/>
+      <inkml:brushProperty name="height" value="0.05" units="cm"/>
+      <inkml:brushProperty name="color" value="#AB008B"/>
+    </inkml:brush>
+  </inkml:definitions>
+  <inkml:trace contextRef="#ctx0" brushRef="#br0">1 151 24575,'7'0'0,"5"0"0,5 0 0,2 0 0,-2 0 0,-5 0 0,-2 0 0,0-2 0,1 0 0,1 0 0,-1-1 0,-2 1 0,0 0 0,-2-1 0,0 1 0,0 0 0,0-1 0,0 1 0,-1 0 0,1-1 0,-1 1 0,-1-1 0,1 0 0,0 2 0,0-2 0,1 1 0,0-1 0,0-1 0,0 2 0,-1-1 0,3 1 0,0 0 0,1-1 0,-1 1 0,-3-1 0,1-1 0,0 2 0,-1 1 0,0 1 0,0-1 0,0-1 0,-1 1 0,2-2 0,0 1 0,-1 0 0,1 0 0,0 0 0,0 1 0,-1-1 0,1 0 0,-2 1 0,1 0 0,0-1 0,-1 1 0,2-1 0,0 0 0,-1 0 0,1 1 0,-1 1 0,1-2 0,-1 0 0,1 0 0,0 1 0,-1-1 0,1 0 0,-1 0 0,0-1 0,-1 1 0,1 0 0,1 2 0,-1-1 0,1 1 0,0 0 0,0 0 0,1-2 0,2 0 0,-1 0 0,2 0 0,-2 2 0,3 0 0,-1 0 0,0-2 0,0 0 0,-1 0 0,0 0 0,-2 2 0,0 0 0,-1 0 0,0 0 0,0 0 0,0 0 0,0 0 0,-1 0 0,1 0 0,-1-1 0,0-1 0,0 0 0,-1 1 0,1 1 0,-1 0 0,-2 0 0,0 0 0</inkml:trace>
+</inkml:ink>
 </file>
 
 <file path=ppt/slideLayouts/slideLayout1.xml><?xml version="1.0" encoding="utf-8"?>
@@ -3208,144 +3459,2007 @@
         <p:spPr/>
         <p:txBody>
           <a:bodyPr>
-            <a:normAutofit fontScale="90000"/>
+            <a:normAutofit/>
           </a:bodyPr>
           <a:lstStyle/>
           <a:p>
             <a:r>
-              <a:rPr lang="en-SE" dirty="0"/>
+              <a:rPr lang="en-SE" sz="2800" dirty="0"/>
               <a:t>A practical procedure for AI assisted programming</a:t>
             </a:r>
           </a:p>
         </p:txBody>
       </p:sp>
-      <p:pic>
-        <p:nvPicPr>
-          <p:cNvPr id="4" name="Google Shape;184;p9">
+      <p:grpSp>
+        <p:nvGrpSpPr>
+          <p:cNvPr id="67" name="Group 66">
             <a:extLst>
               <a:ext uri="{FF2B5EF4-FFF2-40B4-BE49-F238E27FC236}">
-                <a16:creationId xmlns:a16="http://schemas.microsoft.com/office/drawing/2014/main" id="{CCED7315-8B67-E1F6-7B27-78ED34E15720}"/>
+                <a16:creationId xmlns:a16="http://schemas.microsoft.com/office/drawing/2014/main" id="{7ACB8E0E-CF14-6B25-6C6C-2CB1A696862A}"/>
               </a:ext>
             </a:extLst>
           </p:cNvPr>
-          <p:cNvPicPr preferRelativeResize="0">
-            <a:picLocks noGrp="1"/>
-          </p:cNvPicPr>
-          <p:nvPr>
-            <p:ph idx="1"/>
-          </p:nvPr>
-        </p:nvPicPr>
-        <p:blipFill rotWithShape="1">
-          <a:blip r:embed="rId2">
-            <a:alphaModFix/>
-          </a:blip>
-          <a:srcRect/>
-          <a:stretch/>
-        </p:blipFill>
+          <p:cNvGrpSpPr/>
+          <p:nvPr/>
+        </p:nvGrpSpPr>
+        <p:grpSpPr>
+          <a:xfrm>
+            <a:off x="2717800" y="1417638"/>
+            <a:ext cx="4754880" cy="5065074"/>
+            <a:chOff x="4089400" y="1754823"/>
+            <a:chExt cx="4754880" cy="5065074"/>
+          </a:xfrm>
+        </p:grpSpPr>
+        <p:sp>
+          <p:nvSpPr>
+            <p:cNvPr id="7" name="Rectangle 6">
+              <a:extLst>
+                <a:ext uri="{FF2B5EF4-FFF2-40B4-BE49-F238E27FC236}">
+                  <a16:creationId xmlns:a16="http://schemas.microsoft.com/office/drawing/2014/main" id="{562DA414-7692-FEB0-4AE9-CA3B3B0D26CE}"/>
+                </a:ext>
+              </a:extLst>
+            </p:cNvPr>
+            <p:cNvSpPr/>
+            <p:nvPr/>
+          </p:nvSpPr>
+          <p:spPr>
+            <a:xfrm>
+              <a:off x="4508502" y="1754823"/>
+              <a:ext cx="1300480" cy="452438"/>
+            </a:xfrm>
+            <a:prstGeom prst="rect">
+              <a:avLst/>
+            </a:prstGeom>
+            <a:ln/>
+          </p:spPr>
+          <p:style>
+            <a:lnRef idx="2">
+              <a:schemeClr val="dk1"/>
+            </a:lnRef>
+            <a:fillRef idx="1">
+              <a:schemeClr val="lt1"/>
+            </a:fillRef>
+            <a:effectRef idx="0">
+              <a:schemeClr val="dk1"/>
+            </a:effectRef>
+            <a:fontRef idx="minor">
+              <a:schemeClr val="dk1"/>
+            </a:fontRef>
+          </p:style>
+          <p:txBody>
+            <a:bodyPr rtlCol="0" anchor="ctr"/>
+            <a:lstStyle/>
+            <a:p>
+              <a:pPr algn="ctr"/>
+              <a:r>
+                <a:rPr lang="en-SE" sz="1400" dirty="0"/>
+                <a:t>Divide tasks </a:t>
+              </a:r>
+            </a:p>
+          </p:txBody>
+        </p:sp>
+        <p:cxnSp>
+          <p:nvCxnSpPr>
+            <p:cNvPr id="9" name="Straight Arrow Connector 8">
+              <a:extLst>
+                <a:ext uri="{FF2B5EF4-FFF2-40B4-BE49-F238E27FC236}">
+                  <a16:creationId xmlns:a16="http://schemas.microsoft.com/office/drawing/2014/main" id="{4E4FF607-59CC-5FCE-CBEC-D7305858348F}"/>
+                </a:ext>
+              </a:extLst>
+            </p:cNvPr>
+            <p:cNvCxnSpPr>
+              <a:cxnSpLocks/>
+              <a:stCxn id="7" idx="2"/>
+              <a:endCxn id="11" idx="0"/>
+            </p:cNvCxnSpPr>
+            <p:nvPr/>
+          </p:nvCxnSpPr>
+          <p:spPr>
+            <a:xfrm>
+              <a:off x="5158742" y="2207261"/>
+              <a:ext cx="0" cy="216127"/>
+            </a:xfrm>
+            <a:prstGeom prst="straightConnector1">
+              <a:avLst/>
+            </a:prstGeom>
+            <a:ln>
+              <a:tailEnd type="triangle"/>
+            </a:ln>
+          </p:spPr>
+          <p:style>
+            <a:lnRef idx="2">
+              <a:schemeClr val="accent1"/>
+            </a:lnRef>
+            <a:fillRef idx="0">
+              <a:schemeClr val="accent1"/>
+            </a:fillRef>
+            <a:effectRef idx="1">
+              <a:schemeClr val="accent1"/>
+            </a:effectRef>
+            <a:fontRef idx="minor">
+              <a:schemeClr val="tx1"/>
+            </a:fontRef>
+          </p:style>
+        </p:cxnSp>
+        <p:sp>
+          <p:nvSpPr>
+            <p:cNvPr id="11" name="Rectangle 10">
+              <a:extLst>
+                <a:ext uri="{FF2B5EF4-FFF2-40B4-BE49-F238E27FC236}">
+                  <a16:creationId xmlns:a16="http://schemas.microsoft.com/office/drawing/2014/main" id="{4B1BB099-788D-C649-5F0F-2CB65CD374BA}"/>
+                </a:ext>
+              </a:extLst>
+            </p:cNvPr>
+            <p:cNvSpPr/>
+            <p:nvPr/>
+          </p:nvSpPr>
+          <p:spPr>
+            <a:xfrm>
+              <a:off x="4508502" y="2423388"/>
+              <a:ext cx="1300480" cy="452438"/>
+            </a:xfrm>
+            <a:prstGeom prst="rect">
+              <a:avLst/>
+            </a:prstGeom>
+            <a:ln/>
+          </p:spPr>
+          <p:style>
+            <a:lnRef idx="2">
+              <a:schemeClr val="dk1"/>
+            </a:lnRef>
+            <a:fillRef idx="1">
+              <a:schemeClr val="lt1"/>
+            </a:fillRef>
+            <a:effectRef idx="0">
+              <a:schemeClr val="dk1"/>
+            </a:effectRef>
+            <a:fontRef idx="minor">
+              <a:schemeClr val="dk1"/>
+            </a:fontRef>
+          </p:style>
+          <p:txBody>
+            <a:bodyPr rtlCol="0" anchor="ctr"/>
+            <a:lstStyle/>
+            <a:p>
+              <a:pPr algn="ctr"/>
+              <a:r>
+                <a:rPr lang="en-SE" sz="1400" dirty="0"/>
+                <a:t>Create prompts  </a:t>
+              </a:r>
+            </a:p>
+          </p:txBody>
+        </p:sp>
+        <p:sp>
+          <p:nvSpPr>
+            <p:cNvPr id="12" name="Rectangle 11">
+              <a:extLst>
+                <a:ext uri="{FF2B5EF4-FFF2-40B4-BE49-F238E27FC236}">
+                  <a16:creationId xmlns:a16="http://schemas.microsoft.com/office/drawing/2014/main" id="{BE3E4E5D-9F95-D3F8-45DE-018F8B4A6BD7}"/>
+                </a:ext>
+              </a:extLst>
+            </p:cNvPr>
+            <p:cNvSpPr/>
+            <p:nvPr/>
+          </p:nvSpPr>
+          <p:spPr>
+            <a:xfrm>
+              <a:off x="4378960" y="3118556"/>
+              <a:ext cx="1554480" cy="452438"/>
+            </a:xfrm>
+            <a:prstGeom prst="rect">
+              <a:avLst/>
+            </a:prstGeom>
+            <a:ln/>
+          </p:spPr>
+          <p:style>
+            <a:lnRef idx="2">
+              <a:schemeClr val="dk1"/>
+            </a:lnRef>
+            <a:fillRef idx="1">
+              <a:schemeClr val="lt1"/>
+            </a:fillRef>
+            <a:effectRef idx="0">
+              <a:schemeClr val="dk1"/>
+            </a:effectRef>
+            <a:fontRef idx="minor">
+              <a:schemeClr val="dk1"/>
+            </a:fontRef>
+          </p:style>
+          <p:txBody>
+            <a:bodyPr rtlCol="0" anchor="ctr"/>
+            <a:lstStyle/>
+            <a:p>
+              <a:pPr algn="ctr"/>
+              <a:r>
+                <a:rPr lang="en-SE" sz="1400" dirty="0"/>
+                <a:t>Generate the code by AI</a:t>
+              </a:r>
+            </a:p>
+          </p:txBody>
+        </p:sp>
+        <p:cxnSp>
+          <p:nvCxnSpPr>
+            <p:cNvPr id="14" name="Straight Arrow Connector 13">
+              <a:extLst>
+                <a:ext uri="{FF2B5EF4-FFF2-40B4-BE49-F238E27FC236}">
+                  <a16:creationId xmlns:a16="http://schemas.microsoft.com/office/drawing/2014/main" id="{F330801F-97C1-6F38-5DC0-1AAFFB77809A}"/>
+                </a:ext>
+              </a:extLst>
+            </p:cNvPr>
+            <p:cNvCxnSpPr>
+              <a:cxnSpLocks/>
+              <a:stCxn id="11" idx="2"/>
+              <a:endCxn id="12" idx="0"/>
+            </p:cNvCxnSpPr>
+            <p:nvPr/>
+          </p:nvCxnSpPr>
+          <p:spPr>
+            <a:xfrm flipH="1">
+              <a:off x="5156200" y="2875826"/>
+              <a:ext cx="2542" cy="242730"/>
+            </a:xfrm>
+            <a:prstGeom prst="straightConnector1">
+              <a:avLst/>
+            </a:prstGeom>
+            <a:ln>
+              <a:tailEnd type="triangle"/>
+            </a:ln>
+          </p:spPr>
+          <p:style>
+            <a:lnRef idx="2">
+              <a:schemeClr val="accent1"/>
+            </a:lnRef>
+            <a:fillRef idx="0">
+              <a:schemeClr val="accent1"/>
+            </a:fillRef>
+            <a:effectRef idx="1">
+              <a:schemeClr val="accent1"/>
+            </a:effectRef>
+            <a:fontRef idx="minor">
+              <a:schemeClr val="tx1"/>
+            </a:fontRef>
+          </p:style>
+        </p:cxnSp>
+        <p:sp>
+          <p:nvSpPr>
+            <p:cNvPr id="17" name="Rectangle 16">
+              <a:extLst>
+                <a:ext uri="{FF2B5EF4-FFF2-40B4-BE49-F238E27FC236}">
+                  <a16:creationId xmlns:a16="http://schemas.microsoft.com/office/drawing/2014/main" id="{B429F62A-3BDF-73E6-2470-685CA402C058}"/>
+                </a:ext>
+              </a:extLst>
+            </p:cNvPr>
+            <p:cNvSpPr/>
+            <p:nvPr/>
+          </p:nvSpPr>
+          <p:spPr>
+            <a:xfrm>
+              <a:off x="4380866" y="3760230"/>
+              <a:ext cx="1554480" cy="452438"/>
+            </a:xfrm>
+            <a:prstGeom prst="rect">
+              <a:avLst/>
+            </a:prstGeom>
+            <a:ln/>
+          </p:spPr>
+          <p:style>
+            <a:lnRef idx="2">
+              <a:schemeClr val="dk1"/>
+            </a:lnRef>
+            <a:fillRef idx="1">
+              <a:schemeClr val="lt1"/>
+            </a:fillRef>
+            <a:effectRef idx="0">
+              <a:schemeClr val="dk1"/>
+            </a:effectRef>
+            <a:fontRef idx="minor">
+              <a:schemeClr val="dk1"/>
+            </a:fontRef>
+          </p:style>
+          <p:txBody>
+            <a:bodyPr rtlCol="0" anchor="ctr"/>
+            <a:lstStyle/>
+            <a:p>
+              <a:pPr algn="ctr"/>
+              <a:r>
+                <a:rPr lang="en-SE" sz="1400" dirty="0"/>
+                <a:t>Run the code</a:t>
+              </a:r>
+            </a:p>
+          </p:txBody>
+        </p:sp>
+        <p:cxnSp>
+          <p:nvCxnSpPr>
+            <p:cNvPr id="19" name="Straight Arrow Connector 18">
+              <a:extLst>
+                <a:ext uri="{FF2B5EF4-FFF2-40B4-BE49-F238E27FC236}">
+                  <a16:creationId xmlns:a16="http://schemas.microsoft.com/office/drawing/2014/main" id="{6315A3CC-F63B-863A-23F1-94A7FA7EBC46}"/>
+                </a:ext>
+              </a:extLst>
+            </p:cNvPr>
+            <p:cNvCxnSpPr>
+              <a:cxnSpLocks/>
+              <a:stCxn id="12" idx="2"/>
+              <a:endCxn id="17" idx="0"/>
+            </p:cNvCxnSpPr>
+            <p:nvPr/>
+          </p:nvCxnSpPr>
+          <p:spPr>
+            <a:xfrm>
+              <a:off x="5156200" y="3570994"/>
+              <a:ext cx="1906" cy="189236"/>
+            </a:xfrm>
+            <a:prstGeom prst="straightConnector1">
+              <a:avLst/>
+            </a:prstGeom>
+            <a:ln>
+              <a:tailEnd type="triangle"/>
+            </a:ln>
+          </p:spPr>
+          <p:style>
+            <a:lnRef idx="2">
+              <a:schemeClr val="accent1"/>
+            </a:lnRef>
+            <a:fillRef idx="0">
+              <a:schemeClr val="accent1"/>
+            </a:fillRef>
+            <a:effectRef idx="1">
+              <a:schemeClr val="accent1"/>
+            </a:effectRef>
+            <a:fontRef idx="minor">
+              <a:schemeClr val="tx1"/>
+            </a:fontRef>
+          </p:style>
+        </p:cxnSp>
+        <p:sp>
+          <p:nvSpPr>
+            <p:cNvPr id="20" name="Rectangle 19">
+              <a:extLst>
+                <a:ext uri="{FF2B5EF4-FFF2-40B4-BE49-F238E27FC236}">
+                  <a16:creationId xmlns:a16="http://schemas.microsoft.com/office/drawing/2014/main" id="{16DCA27B-30EF-AEB7-7F0B-EF089B69D325}"/>
+                </a:ext>
+              </a:extLst>
+            </p:cNvPr>
+            <p:cNvSpPr/>
+            <p:nvPr/>
+          </p:nvSpPr>
+          <p:spPr>
+            <a:xfrm>
+              <a:off x="4378960" y="5301771"/>
+              <a:ext cx="1554480" cy="452438"/>
+            </a:xfrm>
+            <a:prstGeom prst="rect">
+              <a:avLst/>
+            </a:prstGeom>
+            <a:ln/>
+          </p:spPr>
+          <p:style>
+            <a:lnRef idx="2">
+              <a:schemeClr val="dk1"/>
+            </a:lnRef>
+            <a:fillRef idx="1">
+              <a:schemeClr val="lt1"/>
+            </a:fillRef>
+            <a:effectRef idx="0">
+              <a:schemeClr val="dk1"/>
+            </a:effectRef>
+            <a:fontRef idx="minor">
+              <a:schemeClr val="dk1"/>
+            </a:fontRef>
+          </p:style>
+          <p:txBody>
+            <a:bodyPr rtlCol="0" anchor="ctr"/>
+            <a:lstStyle/>
+            <a:p>
+              <a:pPr algn="ctr"/>
+              <a:r>
+                <a:rPr lang="en-SE" sz="1400" dirty="0"/>
+                <a:t>Check the result</a:t>
+              </a:r>
+            </a:p>
+          </p:txBody>
+        </p:sp>
+        <p:sp>
+          <p:nvSpPr>
+            <p:cNvPr id="23" name="Decision 22">
+              <a:extLst>
+                <a:ext uri="{FF2B5EF4-FFF2-40B4-BE49-F238E27FC236}">
+                  <a16:creationId xmlns:a16="http://schemas.microsoft.com/office/drawing/2014/main" id="{1B66D6B8-0DC1-1485-8F51-A510CD465C9E}"/>
+                </a:ext>
+              </a:extLst>
+            </p:cNvPr>
+            <p:cNvSpPr/>
+            <p:nvPr/>
+          </p:nvSpPr>
+          <p:spPr>
+            <a:xfrm>
+              <a:off x="4089400" y="4502524"/>
+              <a:ext cx="2133600" cy="421004"/>
+            </a:xfrm>
+            <a:prstGeom prst="flowChartDecision">
+              <a:avLst/>
+            </a:prstGeom>
+          </p:spPr>
+          <p:style>
+            <a:lnRef idx="2">
+              <a:schemeClr val="dk1"/>
+            </a:lnRef>
+            <a:fillRef idx="1">
+              <a:schemeClr val="lt1"/>
+            </a:fillRef>
+            <a:effectRef idx="0">
+              <a:schemeClr val="dk1"/>
+            </a:effectRef>
+            <a:fontRef idx="minor">
+              <a:schemeClr val="dk1"/>
+            </a:fontRef>
+          </p:style>
+          <p:txBody>
+            <a:bodyPr rtlCol="0" anchor="ctr"/>
+            <a:lstStyle/>
+            <a:p>
+              <a:pPr algn="ctr"/>
+              <a:r>
+                <a:rPr lang="en-SE" sz="1400" dirty="0"/>
+                <a:t>Any errors?</a:t>
+              </a:r>
+            </a:p>
+          </p:txBody>
+        </p:sp>
+        <p:cxnSp>
+          <p:nvCxnSpPr>
+            <p:cNvPr id="24" name="Straight Arrow Connector 23">
+              <a:extLst>
+                <a:ext uri="{FF2B5EF4-FFF2-40B4-BE49-F238E27FC236}">
+                  <a16:creationId xmlns:a16="http://schemas.microsoft.com/office/drawing/2014/main" id="{6C40A9B4-C5DF-D1B9-D03C-06DBB367BAEF}"/>
+                </a:ext>
+              </a:extLst>
+            </p:cNvPr>
+            <p:cNvCxnSpPr>
+              <a:cxnSpLocks/>
+              <a:stCxn id="17" idx="2"/>
+              <a:endCxn id="23" idx="0"/>
+            </p:cNvCxnSpPr>
+            <p:nvPr/>
+          </p:nvCxnSpPr>
+          <p:spPr>
+            <a:xfrm flipH="1">
+              <a:off x="5156200" y="4212668"/>
+              <a:ext cx="1906" cy="289856"/>
+            </a:xfrm>
+            <a:prstGeom prst="straightConnector1">
+              <a:avLst/>
+            </a:prstGeom>
+            <a:ln>
+              <a:tailEnd type="triangle"/>
+            </a:ln>
+          </p:spPr>
+          <p:style>
+            <a:lnRef idx="2">
+              <a:schemeClr val="accent1"/>
+            </a:lnRef>
+            <a:fillRef idx="0">
+              <a:schemeClr val="accent1"/>
+            </a:fillRef>
+            <a:effectRef idx="1">
+              <a:schemeClr val="accent1"/>
+            </a:effectRef>
+            <a:fontRef idx="minor">
+              <a:schemeClr val="tx1"/>
+            </a:fontRef>
+          </p:style>
+        </p:cxnSp>
+        <p:cxnSp>
+          <p:nvCxnSpPr>
+            <p:cNvPr id="27" name="Straight Arrow Connector 26">
+              <a:extLst>
+                <a:ext uri="{FF2B5EF4-FFF2-40B4-BE49-F238E27FC236}">
+                  <a16:creationId xmlns:a16="http://schemas.microsoft.com/office/drawing/2014/main" id="{AFE07B43-BD00-A563-56F4-1D6F45E58BED}"/>
+                </a:ext>
+              </a:extLst>
+            </p:cNvPr>
+            <p:cNvCxnSpPr>
+              <a:cxnSpLocks/>
+              <a:stCxn id="23" idx="2"/>
+              <a:endCxn id="20" idx="0"/>
+            </p:cNvCxnSpPr>
+            <p:nvPr/>
+          </p:nvCxnSpPr>
+          <p:spPr>
+            <a:xfrm>
+              <a:off x="5156200" y="4923528"/>
+              <a:ext cx="0" cy="378243"/>
+            </a:xfrm>
+            <a:prstGeom prst="straightConnector1">
+              <a:avLst/>
+            </a:prstGeom>
+            <a:ln>
+              <a:tailEnd type="triangle"/>
+            </a:ln>
+          </p:spPr>
+          <p:style>
+            <a:lnRef idx="2">
+              <a:schemeClr val="accent1"/>
+            </a:lnRef>
+            <a:fillRef idx="0">
+              <a:schemeClr val="accent1"/>
+            </a:fillRef>
+            <a:effectRef idx="1">
+              <a:schemeClr val="accent1"/>
+            </a:effectRef>
+            <a:fontRef idx="minor">
+              <a:schemeClr val="tx1"/>
+            </a:fontRef>
+          </p:style>
+        </p:cxnSp>
+        <p:sp>
+          <p:nvSpPr>
+            <p:cNvPr id="30" name="TextBox 29">
+              <a:extLst>
+                <a:ext uri="{FF2B5EF4-FFF2-40B4-BE49-F238E27FC236}">
+                  <a16:creationId xmlns:a16="http://schemas.microsoft.com/office/drawing/2014/main" id="{992922D1-3175-E68B-2DC4-04CF8241EFA1}"/>
+                </a:ext>
+              </a:extLst>
+            </p:cNvPr>
+            <p:cNvSpPr txBox="1"/>
+            <p:nvPr/>
+          </p:nvSpPr>
+          <p:spPr>
+            <a:xfrm>
+              <a:off x="4760316" y="4928036"/>
+              <a:ext cx="455574" cy="307777"/>
+            </a:xfrm>
+            <a:prstGeom prst="rect">
+              <a:avLst/>
+            </a:prstGeom>
+            <a:noFill/>
+          </p:spPr>
+          <p:txBody>
+            <a:bodyPr wrap="square" rtlCol="0">
+              <a:spAutoFit/>
+            </a:bodyPr>
+            <a:lstStyle/>
+            <a:p>
+              <a:r>
+                <a:rPr lang="en-SE" sz="1400" dirty="0"/>
+                <a:t>No</a:t>
+              </a:r>
+            </a:p>
+          </p:txBody>
+        </p:sp>
+        <p:cxnSp>
+          <p:nvCxnSpPr>
+            <p:cNvPr id="32" name="Elbow Connector 31">
+              <a:extLst>
+                <a:ext uri="{FF2B5EF4-FFF2-40B4-BE49-F238E27FC236}">
+                  <a16:creationId xmlns:a16="http://schemas.microsoft.com/office/drawing/2014/main" id="{B719763F-FDE3-AC67-02C7-B488A0062A07}"/>
+                </a:ext>
+              </a:extLst>
+            </p:cNvPr>
+            <p:cNvCxnSpPr>
+              <a:stCxn id="23" idx="3"/>
+              <a:endCxn id="11" idx="3"/>
+            </p:cNvCxnSpPr>
+            <p:nvPr/>
+          </p:nvCxnSpPr>
+          <p:spPr>
+            <a:xfrm flipH="1" flipV="1">
+              <a:off x="5808982" y="2649607"/>
+              <a:ext cx="414018" cy="2063419"/>
+            </a:xfrm>
+            <a:prstGeom prst="bentConnector3">
+              <a:avLst>
+                <a:gd name="adj1" fmla="val -55215"/>
+              </a:avLst>
+            </a:prstGeom>
+            <a:ln>
+              <a:tailEnd type="triangle"/>
+            </a:ln>
+          </p:spPr>
+          <p:style>
+            <a:lnRef idx="2">
+              <a:schemeClr val="accent1"/>
+            </a:lnRef>
+            <a:fillRef idx="0">
+              <a:schemeClr val="accent1"/>
+            </a:fillRef>
+            <a:effectRef idx="1">
+              <a:schemeClr val="accent1"/>
+            </a:effectRef>
+            <a:fontRef idx="minor">
+              <a:schemeClr val="tx1"/>
+            </a:fontRef>
+          </p:style>
+        </p:cxnSp>
+        <p:cxnSp>
+          <p:nvCxnSpPr>
+            <p:cNvPr id="34" name="Elbow Connector 33">
+              <a:extLst>
+                <a:ext uri="{FF2B5EF4-FFF2-40B4-BE49-F238E27FC236}">
+                  <a16:creationId xmlns:a16="http://schemas.microsoft.com/office/drawing/2014/main" id="{579F9A59-FD55-0D70-988B-C3D86FD13C20}"/>
+                </a:ext>
+              </a:extLst>
+            </p:cNvPr>
+            <p:cNvCxnSpPr>
+              <a:cxnSpLocks/>
+              <a:endCxn id="7" idx="3"/>
+            </p:cNvCxnSpPr>
+            <p:nvPr/>
+          </p:nvCxnSpPr>
+          <p:spPr>
+            <a:xfrm rot="16200000" flipV="1">
+              <a:off x="4766839" y="3023185"/>
+              <a:ext cx="2731984" cy="647698"/>
+            </a:xfrm>
+            <a:prstGeom prst="bentConnector2">
+              <a:avLst/>
+            </a:prstGeom>
+            <a:ln>
+              <a:tailEnd type="triangle"/>
+            </a:ln>
+          </p:spPr>
+          <p:style>
+            <a:lnRef idx="2">
+              <a:schemeClr val="accent1"/>
+            </a:lnRef>
+            <a:fillRef idx="0">
+              <a:schemeClr val="accent1"/>
+            </a:fillRef>
+            <a:effectRef idx="1">
+              <a:schemeClr val="accent1"/>
+            </a:effectRef>
+            <a:fontRef idx="minor">
+              <a:schemeClr val="tx1"/>
+            </a:fontRef>
+          </p:style>
+        </p:cxnSp>
+        <p:sp>
+          <p:nvSpPr>
+            <p:cNvPr id="36" name="TextBox 35">
+              <a:extLst>
+                <a:ext uri="{FF2B5EF4-FFF2-40B4-BE49-F238E27FC236}">
+                  <a16:creationId xmlns:a16="http://schemas.microsoft.com/office/drawing/2014/main" id="{F83B38EB-3755-2759-A04D-A265F867169B}"/>
+                </a:ext>
+              </a:extLst>
+            </p:cNvPr>
+            <p:cNvSpPr txBox="1"/>
+            <p:nvPr/>
+          </p:nvSpPr>
+          <p:spPr>
+            <a:xfrm>
+              <a:off x="6015991" y="4344127"/>
+              <a:ext cx="455574" cy="307777"/>
+            </a:xfrm>
+            <a:prstGeom prst="rect">
+              <a:avLst/>
+            </a:prstGeom>
+            <a:noFill/>
+          </p:spPr>
+          <p:txBody>
+            <a:bodyPr wrap="square" rtlCol="0">
+              <a:spAutoFit/>
+            </a:bodyPr>
+            <a:lstStyle/>
+            <a:p>
+              <a:r>
+                <a:rPr lang="en-SE" sz="1400" dirty="0"/>
+                <a:t>Yes</a:t>
+              </a:r>
+            </a:p>
+          </p:txBody>
+        </p:sp>
+        <p:sp>
+          <p:nvSpPr>
+            <p:cNvPr id="37" name="Decision 36">
+              <a:extLst>
+                <a:ext uri="{FF2B5EF4-FFF2-40B4-BE49-F238E27FC236}">
+                  <a16:creationId xmlns:a16="http://schemas.microsoft.com/office/drawing/2014/main" id="{B9569F85-1A2E-2758-0A11-82A26DCC9C77}"/>
+                </a:ext>
+              </a:extLst>
+            </p:cNvPr>
+            <p:cNvSpPr/>
+            <p:nvPr/>
+          </p:nvSpPr>
+          <p:spPr>
+            <a:xfrm>
+              <a:off x="6710680" y="5057584"/>
+              <a:ext cx="2133600" cy="940812"/>
+            </a:xfrm>
+            <a:prstGeom prst="flowChartDecision">
+              <a:avLst/>
+            </a:prstGeom>
+          </p:spPr>
+          <p:style>
+            <a:lnRef idx="2">
+              <a:schemeClr val="dk1"/>
+            </a:lnRef>
+            <a:fillRef idx="1">
+              <a:schemeClr val="lt1"/>
+            </a:fillRef>
+            <a:effectRef idx="0">
+              <a:schemeClr val="dk1"/>
+            </a:effectRef>
+            <a:fontRef idx="minor">
+              <a:schemeClr val="dk1"/>
+            </a:fontRef>
+          </p:style>
+          <p:txBody>
+            <a:bodyPr rtlCol="0" anchor="ctr"/>
+            <a:lstStyle/>
+            <a:p>
+              <a:pPr algn="ctr"/>
+              <a:r>
+                <a:rPr lang="en-SE" sz="1400" dirty="0"/>
+                <a:t>Get expected result?</a:t>
+              </a:r>
+            </a:p>
+          </p:txBody>
+        </p:sp>
+        <p:cxnSp>
+          <p:nvCxnSpPr>
+            <p:cNvPr id="39" name="Straight Arrow Connector 38">
+              <a:extLst>
+                <a:ext uri="{FF2B5EF4-FFF2-40B4-BE49-F238E27FC236}">
+                  <a16:creationId xmlns:a16="http://schemas.microsoft.com/office/drawing/2014/main" id="{0578B3E9-2CE0-1A46-04EC-36090A425476}"/>
+                </a:ext>
+              </a:extLst>
+            </p:cNvPr>
+            <p:cNvCxnSpPr>
+              <a:stCxn id="20" idx="3"/>
+              <a:endCxn id="37" idx="1"/>
+            </p:cNvCxnSpPr>
+            <p:nvPr/>
+          </p:nvCxnSpPr>
+          <p:spPr>
+            <a:xfrm>
+              <a:off x="5933440" y="5527990"/>
+              <a:ext cx="777240" cy="0"/>
+            </a:xfrm>
+            <a:prstGeom prst="straightConnector1">
+              <a:avLst/>
+            </a:prstGeom>
+            <a:ln>
+              <a:tailEnd type="triangle"/>
+            </a:ln>
+          </p:spPr>
+          <p:style>
+            <a:lnRef idx="2">
+              <a:schemeClr val="accent1"/>
+            </a:lnRef>
+            <a:fillRef idx="0">
+              <a:schemeClr val="accent1"/>
+            </a:fillRef>
+            <a:effectRef idx="1">
+              <a:schemeClr val="accent1"/>
+            </a:effectRef>
+            <a:fontRef idx="minor">
+              <a:schemeClr val="tx1"/>
+            </a:fontRef>
+          </p:style>
+        </p:cxnSp>
+        <p:sp>
+          <p:nvSpPr>
+            <p:cNvPr id="40" name="Rectangle 39">
+              <a:extLst>
+                <a:ext uri="{FF2B5EF4-FFF2-40B4-BE49-F238E27FC236}">
+                  <a16:creationId xmlns:a16="http://schemas.microsoft.com/office/drawing/2014/main" id="{DB298487-3F1F-4211-402E-4EA83E3CDA17}"/>
+                </a:ext>
+              </a:extLst>
+            </p:cNvPr>
+            <p:cNvSpPr/>
+            <p:nvPr/>
+          </p:nvSpPr>
+          <p:spPr>
+            <a:xfrm>
+              <a:off x="4216400" y="6132452"/>
+              <a:ext cx="1930400" cy="687445"/>
+            </a:xfrm>
+            <a:prstGeom prst="rect">
+              <a:avLst/>
+            </a:prstGeom>
+            <a:ln/>
+          </p:spPr>
+          <p:style>
+            <a:lnRef idx="2">
+              <a:schemeClr val="dk1"/>
+            </a:lnRef>
+            <a:fillRef idx="1">
+              <a:schemeClr val="lt1"/>
+            </a:fillRef>
+            <a:effectRef idx="0">
+              <a:schemeClr val="dk1"/>
+            </a:effectRef>
+            <a:fontRef idx="minor">
+              <a:schemeClr val="dk1"/>
+            </a:fontRef>
+          </p:style>
+          <p:txBody>
+            <a:bodyPr rtlCol="0" anchor="ctr"/>
+            <a:lstStyle/>
+            <a:p>
+              <a:pPr algn="ctr"/>
+              <a:r>
+                <a:rPr lang="en-SE" sz="1400" dirty="0"/>
+                <a:t>Review and finalize the code</a:t>
+              </a:r>
+            </a:p>
+          </p:txBody>
+        </p:sp>
+        <p:cxnSp>
+          <p:nvCxnSpPr>
+            <p:cNvPr id="58" name="Elbow Connector 57">
+              <a:extLst>
+                <a:ext uri="{FF2B5EF4-FFF2-40B4-BE49-F238E27FC236}">
+                  <a16:creationId xmlns:a16="http://schemas.microsoft.com/office/drawing/2014/main" id="{C90703DB-FC8D-21A7-7588-13F54772F342}"/>
+                </a:ext>
+              </a:extLst>
+            </p:cNvPr>
+            <p:cNvCxnSpPr>
+              <a:stCxn id="37" idx="0"/>
+              <a:endCxn id="11" idx="3"/>
+            </p:cNvCxnSpPr>
+            <p:nvPr/>
+          </p:nvCxnSpPr>
+          <p:spPr>
+            <a:xfrm rot="16200000" flipV="1">
+              <a:off x="5589243" y="2869347"/>
+              <a:ext cx="2407977" cy="1968498"/>
+            </a:xfrm>
+            <a:prstGeom prst="bentConnector2">
+              <a:avLst/>
+            </a:prstGeom>
+            <a:ln>
+              <a:tailEnd type="triangle"/>
+            </a:ln>
+          </p:spPr>
+          <p:style>
+            <a:lnRef idx="2">
+              <a:schemeClr val="accent1"/>
+            </a:lnRef>
+            <a:fillRef idx="0">
+              <a:schemeClr val="accent1"/>
+            </a:fillRef>
+            <a:effectRef idx="1">
+              <a:schemeClr val="accent1"/>
+            </a:effectRef>
+            <a:fontRef idx="minor">
+              <a:schemeClr val="tx1"/>
+            </a:fontRef>
+          </p:style>
+        </p:cxnSp>
+        <p:cxnSp>
+          <p:nvCxnSpPr>
+            <p:cNvPr id="60" name="Elbow Connector 59">
+              <a:extLst>
+                <a:ext uri="{FF2B5EF4-FFF2-40B4-BE49-F238E27FC236}">
+                  <a16:creationId xmlns:a16="http://schemas.microsoft.com/office/drawing/2014/main" id="{A51D3A12-3523-06F8-9AB7-01AF76B01558}"/>
+                </a:ext>
+              </a:extLst>
+            </p:cNvPr>
+            <p:cNvCxnSpPr>
+              <a:stCxn id="37" idx="0"/>
+              <a:endCxn id="7" idx="3"/>
+            </p:cNvCxnSpPr>
+            <p:nvPr/>
+          </p:nvCxnSpPr>
+          <p:spPr>
+            <a:xfrm rot="16200000" flipV="1">
+              <a:off x="5254960" y="2535064"/>
+              <a:ext cx="3076542" cy="1968498"/>
+            </a:xfrm>
+            <a:prstGeom prst="bentConnector2">
+              <a:avLst/>
+            </a:prstGeom>
+            <a:ln>
+              <a:tailEnd type="triangle"/>
+            </a:ln>
+          </p:spPr>
+          <p:style>
+            <a:lnRef idx="2">
+              <a:schemeClr val="accent1"/>
+            </a:lnRef>
+            <a:fillRef idx="0">
+              <a:schemeClr val="accent1"/>
+            </a:fillRef>
+            <a:effectRef idx="1">
+              <a:schemeClr val="accent1"/>
+            </a:effectRef>
+            <a:fontRef idx="minor">
+              <a:schemeClr val="tx1"/>
+            </a:fontRef>
+          </p:style>
+        </p:cxnSp>
+        <p:sp>
+          <p:nvSpPr>
+            <p:cNvPr id="61" name="TextBox 60">
+              <a:extLst>
+                <a:ext uri="{FF2B5EF4-FFF2-40B4-BE49-F238E27FC236}">
+                  <a16:creationId xmlns:a16="http://schemas.microsoft.com/office/drawing/2014/main" id="{2F66D802-2BEA-58D3-7F36-BFA7E560CAAC}"/>
+                </a:ext>
+              </a:extLst>
+            </p:cNvPr>
+            <p:cNvSpPr txBox="1"/>
+            <p:nvPr/>
+          </p:nvSpPr>
+          <p:spPr>
+            <a:xfrm>
+              <a:off x="7328713" y="4651904"/>
+              <a:ext cx="455574" cy="307777"/>
+            </a:xfrm>
+            <a:prstGeom prst="rect">
+              <a:avLst/>
+            </a:prstGeom>
+            <a:noFill/>
+          </p:spPr>
+          <p:txBody>
+            <a:bodyPr wrap="square" rtlCol="0">
+              <a:spAutoFit/>
+            </a:bodyPr>
+            <a:lstStyle/>
+            <a:p>
+              <a:r>
+                <a:rPr lang="en-SE" sz="1400" dirty="0"/>
+                <a:t>No</a:t>
+              </a:r>
+            </a:p>
+          </p:txBody>
+        </p:sp>
+        <p:cxnSp>
+          <p:nvCxnSpPr>
+            <p:cNvPr id="63" name="Elbow Connector 62">
+              <a:extLst>
+                <a:ext uri="{FF2B5EF4-FFF2-40B4-BE49-F238E27FC236}">
+                  <a16:creationId xmlns:a16="http://schemas.microsoft.com/office/drawing/2014/main" id="{FA7F7144-8EA4-EE53-3270-FCDAE82EF437}"/>
+                </a:ext>
+              </a:extLst>
+            </p:cNvPr>
+            <p:cNvCxnSpPr>
+              <a:stCxn id="37" idx="2"/>
+              <a:endCxn id="40" idx="3"/>
+            </p:cNvCxnSpPr>
+            <p:nvPr/>
+          </p:nvCxnSpPr>
+          <p:spPr>
+            <a:xfrm rot="5400000">
+              <a:off x="6723251" y="5421945"/>
+              <a:ext cx="477779" cy="1630680"/>
+            </a:xfrm>
+            <a:prstGeom prst="bentConnector2">
+              <a:avLst/>
+            </a:prstGeom>
+            <a:ln>
+              <a:tailEnd type="triangle"/>
+            </a:ln>
+          </p:spPr>
+          <p:style>
+            <a:lnRef idx="2">
+              <a:schemeClr val="accent1"/>
+            </a:lnRef>
+            <a:fillRef idx="0">
+              <a:schemeClr val="accent1"/>
+            </a:fillRef>
+            <a:effectRef idx="1">
+              <a:schemeClr val="accent1"/>
+            </a:effectRef>
+            <a:fontRef idx="minor">
+              <a:schemeClr val="tx1"/>
+            </a:fontRef>
+          </p:style>
+        </p:cxnSp>
+        <p:sp>
+          <p:nvSpPr>
+            <p:cNvPr id="64" name="TextBox 63">
+              <a:extLst>
+                <a:ext uri="{FF2B5EF4-FFF2-40B4-BE49-F238E27FC236}">
+                  <a16:creationId xmlns:a16="http://schemas.microsoft.com/office/drawing/2014/main" id="{CCFCB745-45AA-7ACD-5175-D24EA02B7D43}"/>
+                </a:ext>
+              </a:extLst>
+            </p:cNvPr>
+            <p:cNvSpPr txBox="1"/>
+            <p:nvPr/>
+          </p:nvSpPr>
+          <p:spPr>
+            <a:xfrm>
+              <a:off x="7328713" y="6036800"/>
+              <a:ext cx="455574" cy="307777"/>
+            </a:xfrm>
+            <a:prstGeom prst="rect">
+              <a:avLst/>
+            </a:prstGeom>
+            <a:noFill/>
+          </p:spPr>
+          <p:txBody>
+            <a:bodyPr wrap="square" rtlCol="0">
+              <a:spAutoFit/>
+            </a:bodyPr>
+            <a:lstStyle/>
+            <a:p>
+              <a:r>
+                <a:rPr lang="en-SE" sz="1400" dirty="0"/>
+                <a:t>Yes</a:t>
+              </a:r>
+            </a:p>
+          </p:txBody>
+        </p:sp>
+      </p:grpSp>
+    </p:spTree>
+    <p:extLst>
+      <p:ext uri="{BB962C8B-B14F-4D97-AF65-F5344CB8AC3E}">
+        <p14:creationId xmlns:p14="http://schemas.microsoft.com/office/powerpoint/2010/main" val="729914189"/>
+      </p:ext>
+    </p:extLst>
+  </p:cSld>
+  <p:clrMapOvr>
+    <a:masterClrMapping/>
+  </p:clrMapOvr>
+</p:sld>
+</file>
+
+<file path=ppt/slides/slide3.xml><?xml version="1.0" encoding="utf-8"?>
+<p:sld xmlns:a="http://schemas.openxmlformats.org/drawingml/2006/main" xmlns:r="http://schemas.openxmlformats.org/officeDocument/2006/relationships" xmlns:p="http://schemas.openxmlformats.org/presentationml/2006/main">
+  <p:cSld>
+    <p:spTree>
+      <p:nvGrpSpPr>
+        <p:cNvPr id="1" name=""/>
+        <p:cNvGrpSpPr/>
+        <p:nvPr/>
+      </p:nvGrpSpPr>
+      <p:grpSpPr>
+        <a:xfrm>
+          <a:off x="0" y="0"/>
+          <a:ext cx="0" cy="0"/>
+          <a:chOff x="0" y="0"/>
+          <a:chExt cx="0" cy="0"/>
+        </a:xfrm>
+      </p:grpSpPr>
+      <p:sp>
+        <p:nvSpPr>
+          <p:cNvPr id="2" name="Title 1">
+            <a:extLst>
+              <a:ext uri="{FF2B5EF4-FFF2-40B4-BE49-F238E27FC236}">
+                <a16:creationId xmlns:a16="http://schemas.microsoft.com/office/drawing/2014/main" id="{697029E1-1FC0-1F9B-1DCC-FB457A110C52}"/>
+              </a:ext>
+            </a:extLst>
+          </p:cNvPr>
+          <p:cNvSpPr>
+            <a:spLocks noGrp="1"/>
+          </p:cNvSpPr>
+          <p:nvPr>
+            <p:ph type="title"/>
+          </p:nvPr>
+        </p:nvSpPr>
+        <p:spPr/>
+        <p:txBody>
+          <a:bodyPr/>
+          <a:lstStyle/>
+          <a:p>
+            <a:r>
+              <a:rPr lang="en-SE" dirty="0"/>
+              <a:t>Learning curve</a:t>
+            </a:r>
+          </a:p>
+        </p:txBody>
+      </p:sp>
+      <p:cxnSp>
+        <p:nvCxnSpPr>
+          <p:cNvPr id="7" name="Straight Arrow Connector 6">
+            <a:extLst>
+              <a:ext uri="{FF2B5EF4-FFF2-40B4-BE49-F238E27FC236}">
+                <a16:creationId xmlns:a16="http://schemas.microsoft.com/office/drawing/2014/main" id="{D858F8DB-F161-C609-B3B5-6EB0BCBA1384}"/>
+              </a:ext>
+            </a:extLst>
+          </p:cNvPr>
+          <p:cNvCxnSpPr/>
+          <p:nvPr/>
+        </p:nvCxnSpPr>
+        <p:spPr>
+          <a:xfrm flipV="1">
+            <a:off x="1397479" y="1647645"/>
+            <a:ext cx="0" cy="3994030"/>
+          </a:xfrm>
+          <a:prstGeom prst="straightConnector1">
+            <a:avLst/>
+          </a:prstGeom>
+          <a:ln>
+            <a:tailEnd type="triangle"/>
+          </a:ln>
+        </p:spPr>
+        <p:style>
+          <a:lnRef idx="2">
+            <a:schemeClr val="dk1"/>
+          </a:lnRef>
+          <a:fillRef idx="0">
+            <a:schemeClr val="dk1"/>
+          </a:fillRef>
+          <a:effectRef idx="1">
+            <a:schemeClr val="dk1"/>
+          </a:effectRef>
+          <a:fontRef idx="minor">
+            <a:schemeClr val="tx1"/>
+          </a:fontRef>
+        </p:style>
+      </p:cxnSp>
+      <p:cxnSp>
+        <p:nvCxnSpPr>
+          <p:cNvPr id="9" name="Straight Arrow Connector 8">
+            <a:extLst>
+              <a:ext uri="{FF2B5EF4-FFF2-40B4-BE49-F238E27FC236}">
+                <a16:creationId xmlns:a16="http://schemas.microsoft.com/office/drawing/2014/main" id="{A608E687-7CBA-8E2D-ABA7-FC646C485528}"/>
+              </a:ext>
+            </a:extLst>
+          </p:cNvPr>
+          <p:cNvCxnSpPr/>
+          <p:nvPr/>
+        </p:nvCxnSpPr>
         <p:spPr>
           <a:xfrm>
-            <a:off x="457200" y="1786731"/>
-            <a:ext cx="3365500" cy="4356100"/>
+            <a:off x="1380226" y="5650302"/>
+            <a:ext cx="5469148" cy="0"/>
+          </a:xfrm>
+          <a:prstGeom prst="straightConnector1">
+            <a:avLst/>
+          </a:prstGeom>
+          <a:ln>
+            <a:tailEnd type="triangle"/>
+          </a:ln>
+        </p:spPr>
+        <p:style>
+          <a:lnRef idx="2">
+            <a:schemeClr val="dk1"/>
+          </a:lnRef>
+          <a:fillRef idx="0">
+            <a:schemeClr val="dk1"/>
+          </a:fillRef>
+          <a:effectRef idx="1">
+            <a:schemeClr val="dk1"/>
+          </a:effectRef>
+          <a:fontRef idx="minor">
+            <a:schemeClr val="tx1"/>
+          </a:fontRef>
+        </p:style>
+      </p:cxnSp>
+      <p:cxnSp>
+        <p:nvCxnSpPr>
+          <p:cNvPr id="11" name="Straight Connector 10">
+            <a:extLst>
+              <a:ext uri="{FF2B5EF4-FFF2-40B4-BE49-F238E27FC236}">
+                <a16:creationId xmlns:a16="http://schemas.microsoft.com/office/drawing/2014/main" id="{F1115F5B-9C15-C6E8-94AC-832795EEB283}"/>
+              </a:ext>
+            </a:extLst>
+          </p:cNvPr>
+          <p:cNvCxnSpPr>
+            <a:cxnSpLocks/>
+          </p:cNvCxnSpPr>
+          <p:nvPr/>
+        </p:nvCxnSpPr>
+        <p:spPr>
+          <a:xfrm>
+            <a:off x="2829464" y="2225615"/>
+            <a:ext cx="0" cy="3416060"/>
+          </a:xfrm>
+          <a:prstGeom prst="line">
+            <a:avLst/>
+          </a:prstGeom>
+          <a:ln>
+            <a:prstDash val="sysDot"/>
+          </a:ln>
+        </p:spPr>
+        <p:style>
+          <a:lnRef idx="2">
+            <a:schemeClr val="accent1"/>
+          </a:lnRef>
+          <a:fillRef idx="0">
+            <a:schemeClr val="accent1"/>
+          </a:fillRef>
+          <a:effectRef idx="1">
+            <a:schemeClr val="accent1"/>
+          </a:effectRef>
+          <a:fontRef idx="minor">
+            <a:schemeClr val="tx1"/>
+          </a:fontRef>
+        </p:style>
+      </p:cxnSp>
+      <p:cxnSp>
+        <p:nvCxnSpPr>
+          <p:cNvPr id="13" name="Straight Connector 12">
+            <a:extLst>
+              <a:ext uri="{FF2B5EF4-FFF2-40B4-BE49-F238E27FC236}">
+                <a16:creationId xmlns:a16="http://schemas.microsoft.com/office/drawing/2014/main" id="{D322F7EC-2B6A-7224-93A5-284E06D4E708}"/>
+              </a:ext>
+            </a:extLst>
+          </p:cNvPr>
+          <p:cNvCxnSpPr/>
+          <p:nvPr/>
+        </p:nvCxnSpPr>
+        <p:spPr>
+          <a:xfrm>
+            <a:off x="4925683" y="2225615"/>
+            <a:ext cx="0" cy="3424687"/>
+          </a:xfrm>
+          <a:prstGeom prst="line">
+            <a:avLst/>
+          </a:prstGeom>
+          <a:ln>
+            <a:prstDash val="sysDot"/>
+          </a:ln>
+        </p:spPr>
+        <p:style>
+          <a:lnRef idx="2">
+            <a:schemeClr val="accent1"/>
+          </a:lnRef>
+          <a:fillRef idx="0">
+            <a:schemeClr val="accent1"/>
+          </a:fillRef>
+          <a:effectRef idx="1">
+            <a:schemeClr val="accent1"/>
+          </a:effectRef>
+          <a:fontRef idx="minor">
+            <a:schemeClr val="tx1"/>
+          </a:fontRef>
+        </p:style>
+      </p:cxnSp>
+      <p:sp>
+        <p:nvSpPr>
+          <p:cNvPr id="16" name="TextBox 15">
+            <a:extLst>
+              <a:ext uri="{FF2B5EF4-FFF2-40B4-BE49-F238E27FC236}">
+                <a16:creationId xmlns:a16="http://schemas.microsoft.com/office/drawing/2014/main" id="{E825F986-04DF-E40B-BC2A-1B1CC41A0D36}"/>
+              </a:ext>
+            </a:extLst>
+          </p:cNvPr>
+          <p:cNvSpPr txBox="1"/>
+          <p:nvPr/>
+        </p:nvSpPr>
+        <p:spPr>
+          <a:xfrm rot="16200000">
+            <a:off x="-76007" y="3275328"/>
+            <a:ext cx="2412135" cy="369332"/>
           </a:xfrm>
           <a:prstGeom prst="rect">
             <a:avLst/>
           </a:prstGeom>
           <a:noFill/>
-          <a:ln>
-            <a:noFill/>
-          </a:ln>
         </p:spPr>
-      </p:pic>
-      <p:sp>
-        <p:nvSpPr>
-          <p:cNvPr id="6" name="Rectangle 5">
+        <p:txBody>
+          <a:bodyPr wrap="none" rtlCol="0">
+            <a:spAutoFit/>
+          </a:bodyPr>
+          <a:lstStyle/>
+          <a:p>
+            <a:r>
+              <a:rPr lang="en-SE" dirty="0"/>
+              <a:t>Knowledge with Python</a:t>
+            </a:r>
+          </a:p>
+        </p:txBody>
+      </p:sp>
+      <p:sp>
+        <p:nvSpPr>
+          <p:cNvPr id="17" name="TextBox 16">
             <a:extLst>
               <a:ext uri="{FF2B5EF4-FFF2-40B4-BE49-F238E27FC236}">
-                <a16:creationId xmlns:a16="http://schemas.microsoft.com/office/drawing/2014/main" id="{27B2B27D-F7EC-A66D-D0B4-6115392D3C8B}"/>
+                <a16:creationId xmlns:a16="http://schemas.microsoft.com/office/drawing/2014/main" id="{3CAD7650-9879-325E-05AD-8C6D682A67BC}"/>
               </a:ext>
             </a:extLst>
           </p:cNvPr>
-          <p:cNvSpPr/>
+          <p:cNvSpPr txBox="1"/>
           <p:nvPr/>
         </p:nvSpPr>
         <p:spPr>
           <a:xfrm>
-            <a:off x="4508502" y="2528411"/>
-            <a:ext cx="1300480" cy="560229"/>
+            <a:off x="3571335" y="5805577"/>
+            <a:ext cx="649537" cy="369332"/>
           </a:xfrm>
           <a:prstGeom prst="rect">
             <a:avLst/>
           </a:prstGeom>
+          <a:noFill/>
         </p:spPr>
-        <p:style>
-          <a:lnRef idx="1">
-            <a:schemeClr val="accent1"/>
-          </a:lnRef>
-          <a:fillRef idx="3">
-            <a:schemeClr val="accent1"/>
-          </a:fillRef>
-          <a:effectRef idx="2">
-            <a:schemeClr val="accent1"/>
-          </a:effectRef>
-          <a:fontRef idx="minor">
-            <a:schemeClr val="lt1"/>
-          </a:fontRef>
-        </p:style>
-        <p:txBody>
-          <a:bodyPr rtlCol="0" anchor="ctr"/>
+        <p:txBody>
+          <a:bodyPr wrap="none" rtlCol="0">
+            <a:spAutoFit/>
+          </a:bodyPr>
           <a:lstStyle/>
           <a:p>
-            <a:pPr algn="ctr"/>
             <a:r>
               <a:rPr lang="en-SE" dirty="0"/>
-              <a:t>Draft prompts</a:t>
-            </a:r>
-          </a:p>
-        </p:txBody>
-      </p:sp>
-      <p:sp>
-        <p:nvSpPr>
-          <p:cNvPr id="7" name="Rectangle 6">
+              <a:t>Time</a:t>
+            </a:r>
+          </a:p>
+        </p:txBody>
+      </p:sp>
+      <p:sp>
+        <p:nvSpPr>
+          <p:cNvPr id="18" name="TextBox 17">
             <a:extLst>
               <a:ext uri="{FF2B5EF4-FFF2-40B4-BE49-F238E27FC236}">
-                <a16:creationId xmlns:a16="http://schemas.microsoft.com/office/drawing/2014/main" id="{562DA414-7692-FEB0-4AE9-CA3B3B0D26CE}"/>
+                <a16:creationId xmlns:a16="http://schemas.microsoft.com/office/drawing/2014/main" id="{089F7AEC-C46D-2708-E0A6-BF75CF3BA2B9}"/>
               </a:ext>
             </a:extLst>
           </p:cNvPr>
-          <p:cNvSpPr/>
+          <p:cNvSpPr txBox="1"/>
           <p:nvPr/>
         </p:nvSpPr>
         <p:spPr>
           <a:xfrm>
-            <a:off x="4508502" y="1614011"/>
-            <a:ext cx="1300480" cy="560229"/>
+            <a:off x="1492372" y="5280020"/>
+            <a:ext cx="1337090" cy="276999"/>
           </a:xfrm>
           <a:prstGeom prst="rect">
             <a:avLst/>
           </a:prstGeom>
+          <a:noFill/>
         </p:spPr>
-        <p:style>
-          <a:lnRef idx="1">
-            <a:schemeClr val="accent1"/>
-          </a:lnRef>
-          <a:fillRef idx="3">
-            <a:schemeClr val="accent1"/>
-          </a:fillRef>
-          <a:effectRef idx="2">
-            <a:schemeClr val="accent1"/>
-          </a:effectRef>
-          <a:fontRef idx="minor">
-            <a:schemeClr val="lt1"/>
-          </a:fontRef>
-        </p:style>
-        <p:txBody>
-          <a:bodyPr rtlCol="0" anchor="ctr"/>
+        <p:txBody>
+          <a:bodyPr wrap="square" rtlCol="0">
+            <a:spAutoFit/>
+          </a:bodyPr>
           <a:lstStyle/>
           <a:p>
-            <a:pPr algn="ctr"/>
-            <a:r>
-              <a:rPr lang="en-SE" dirty="0"/>
-              <a:t>Draft prompts</a:t>
+            <a:r>
+              <a:rPr lang="en-SE" sz="1200" dirty="0"/>
+              <a:t>Before the course</a:t>
+            </a:r>
+          </a:p>
+        </p:txBody>
+      </p:sp>
+      <p:sp>
+        <p:nvSpPr>
+          <p:cNvPr id="19" name="TextBox 18">
+            <a:extLst>
+              <a:ext uri="{FF2B5EF4-FFF2-40B4-BE49-F238E27FC236}">
+                <a16:creationId xmlns:a16="http://schemas.microsoft.com/office/drawing/2014/main" id="{A28FD6F5-EAE3-F1DF-252B-F6486D153562}"/>
+              </a:ext>
+            </a:extLst>
+          </p:cNvPr>
+          <p:cNvSpPr txBox="1"/>
+          <p:nvPr/>
+        </p:nvSpPr>
+        <p:spPr>
+          <a:xfrm>
+            <a:off x="3127084" y="5291553"/>
+            <a:ext cx="1337090" cy="276999"/>
+          </a:xfrm>
+          <a:prstGeom prst="rect">
+            <a:avLst/>
+          </a:prstGeom>
+          <a:noFill/>
+        </p:spPr>
+        <p:txBody>
+          <a:bodyPr wrap="square" rtlCol="0">
+            <a:spAutoFit/>
+          </a:bodyPr>
+          <a:lstStyle/>
+          <a:p>
+            <a:r>
+              <a:rPr lang="en-SE" sz="1200" dirty="0"/>
+              <a:t>During the course</a:t>
+            </a:r>
+          </a:p>
+        </p:txBody>
+      </p:sp>
+      <p:sp>
+        <p:nvSpPr>
+          <p:cNvPr id="20" name="TextBox 19">
+            <a:extLst>
+              <a:ext uri="{FF2B5EF4-FFF2-40B4-BE49-F238E27FC236}">
+                <a16:creationId xmlns:a16="http://schemas.microsoft.com/office/drawing/2014/main" id="{C66C5053-60C9-0D5D-5219-ACBC1158CB06}"/>
+              </a:ext>
+            </a:extLst>
+          </p:cNvPr>
+          <p:cNvSpPr txBox="1"/>
+          <p:nvPr/>
+        </p:nvSpPr>
+        <p:spPr>
+          <a:xfrm>
+            <a:off x="5055081" y="5280020"/>
+            <a:ext cx="1337090" cy="276999"/>
+          </a:xfrm>
+          <a:prstGeom prst="rect">
+            <a:avLst/>
+          </a:prstGeom>
+          <a:noFill/>
+        </p:spPr>
+        <p:txBody>
+          <a:bodyPr wrap="square" rtlCol="0">
+            <a:spAutoFit/>
+          </a:bodyPr>
+          <a:lstStyle/>
+          <a:p>
+            <a:r>
+              <a:rPr lang="en-SE" sz="1200" dirty="0"/>
+              <a:t>After the course</a:t>
+            </a:r>
+          </a:p>
+        </p:txBody>
+      </p:sp>
+      <mc:AlternateContent xmlns:mc="http://schemas.openxmlformats.org/markup-compatibility/2006">
+        <mc:Choice xmlns:p14="http://schemas.microsoft.com/office/powerpoint/2010/main" Requires="p14">
+          <p:contentPart p14:bwMode="auto" r:id="rId2">
+            <p14:nvContentPartPr>
+              <p14:cNvPr id="27" name="Ink 26">
+                <a:extLst>
+                  <a:ext uri="{FF2B5EF4-FFF2-40B4-BE49-F238E27FC236}">
+                    <a16:creationId xmlns:a16="http://schemas.microsoft.com/office/drawing/2014/main" id="{3B004961-3FD0-A4F5-2A03-756B30107505}"/>
+                  </a:ext>
+                </a:extLst>
+              </p14:cNvPr>
+              <p14:cNvContentPartPr/>
+              <p14:nvPr/>
+            </p14:nvContentPartPr>
+            <p14:xfrm>
+              <a:off x="1667045" y="4775509"/>
+              <a:ext cx="1773360" cy="488880"/>
+            </p14:xfrm>
+          </p:contentPart>
+        </mc:Choice>
+        <mc:Fallback>
+          <p:pic>
+            <p:nvPicPr>
+              <p:cNvPr id="27" name="Ink 26">
+                <a:extLst>
+                  <a:ext uri="{FF2B5EF4-FFF2-40B4-BE49-F238E27FC236}">
+                    <a16:creationId xmlns:a16="http://schemas.microsoft.com/office/drawing/2014/main" id="{3B004961-3FD0-A4F5-2A03-756B30107505}"/>
+                  </a:ext>
+                </a:extLst>
+              </p:cNvPr>
+              <p:cNvPicPr/>
+              <p:nvPr/>
+            </p:nvPicPr>
+            <p:blipFill>
+              <a:blip r:embed="rId3"/>
+              <a:stretch>
+                <a:fillRect/>
+              </a:stretch>
+            </p:blipFill>
+            <p:spPr>
+              <a:xfrm>
+                <a:off x="1658045" y="4766869"/>
+                <a:ext cx="1791000" cy="506520"/>
+              </a:xfrm>
+              <a:prstGeom prst="rect">
+                <a:avLst/>
+              </a:prstGeom>
+            </p:spPr>
+          </p:pic>
+        </mc:Fallback>
+      </mc:AlternateContent>
+      <mc:AlternateContent xmlns:mc="http://schemas.openxmlformats.org/markup-compatibility/2006">
+        <mc:Choice xmlns:p14="http://schemas.microsoft.com/office/powerpoint/2010/main" Requires="p14">
+          <p:contentPart p14:bwMode="auto" r:id="rId4">
+            <p14:nvContentPartPr>
+              <p14:cNvPr id="28" name="Ink 27">
+                <a:extLst>
+                  <a:ext uri="{FF2B5EF4-FFF2-40B4-BE49-F238E27FC236}">
+                    <a16:creationId xmlns:a16="http://schemas.microsoft.com/office/drawing/2014/main" id="{013FFC88-0D6B-9442-3984-52BD87548A88}"/>
+                  </a:ext>
+                </a:extLst>
+              </p14:cNvPr>
+              <p14:cNvContentPartPr/>
+              <p14:nvPr/>
+            </p14:nvContentPartPr>
+            <p14:xfrm>
+              <a:off x="3365525" y="3340549"/>
+              <a:ext cx="3132000" cy="1856160"/>
+            </p14:xfrm>
+          </p:contentPart>
+        </mc:Choice>
+        <mc:Fallback>
+          <p:pic>
+            <p:nvPicPr>
+              <p:cNvPr id="28" name="Ink 27">
+                <a:extLst>
+                  <a:ext uri="{FF2B5EF4-FFF2-40B4-BE49-F238E27FC236}">
+                    <a16:creationId xmlns:a16="http://schemas.microsoft.com/office/drawing/2014/main" id="{013FFC88-0D6B-9442-3984-52BD87548A88}"/>
+                  </a:ext>
+                </a:extLst>
+              </p:cNvPr>
+              <p:cNvPicPr/>
+              <p:nvPr/>
+            </p:nvPicPr>
+            <p:blipFill>
+              <a:blip r:embed="rId5"/>
+              <a:stretch>
+                <a:fillRect/>
+              </a:stretch>
+            </p:blipFill>
+            <p:spPr>
+              <a:xfrm>
+                <a:off x="3356885" y="3331909"/>
+                <a:ext cx="3149640" cy="1873800"/>
+              </a:xfrm>
+              <a:prstGeom prst="rect">
+                <a:avLst/>
+              </a:prstGeom>
+            </p:spPr>
+          </p:pic>
+        </mc:Fallback>
+      </mc:AlternateContent>
+      <p:grpSp>
+        <p:nvGrpSpPr>
+          <p:cNvPr id="54" name="Group 53">
+            <a:extLst>
+              <a:ext uri="{FF2B5EF4-FFF2-40B4-BE49-F238E27FC236}">
+                <a16:creationId xmlns:a16="http://schemas.microsoft.com/office/drawing/2014/main" id="{071C1EBC-3FC9-E6B4-ECA2-E9593D46E941}"/>
+              </a:ext>
+            </a:extLst>
+          </p:cNvPr>
+          <p:cNvGrpSpPr/>
+          <p:nvPr/>
+        </p:nvGrpSpPr>
+        <p:grpSpPr>
+          <a:xfrm>
+            <a:off x="4944125" y="2462869"/>
+            <a:ext cx="2351160" cy="872280"/>
+            <a:chOff x="4944125" y="2462869"/>
+            <a:chExt cx="2351160" cy="872280"/>
+          </a:xfrm>
+        </p:grpSpPr>
+        <mc:AlternateContent xmlns:mc="http://schemas.openxmlformats.org/markup-compatibility/2006">
+          <mc:Choice xmlns:p14="http://schemas.microsoft.com/office/powerpoint/2010/main" Requires="p14">
+            <p:contentPart p14:bwMode="auto" r:id="rId6">
+              <p14:nvContentPartPr>
+                <p14:cNvPr id="42" name="Ink 41">
+                  <a:extLst>
+                    <a:ext uri="{FF2B5EF4-FFF2-40B4-BE49-F238E27FC236}">
+                      <a16:creationId xmlns:a16="http://schemas.microsoft.com/office/drawing/2014/main" id="{FFB89DF9-CA89-80A6-5B3F-7B728013210F}"/>
+                    </a:ext>
+                  </a:extLst>
+                </p14:cNvPr>
+                <p14:cNvContentPartPr/>
+                <p14:nvPr/>
+              </p14:nvContentPartPr>
+              <p14:xfrm>
+                <a:off x="4944125" y="3235789"/>
+                <a:ext cx="166320" cy="99360"/>
+              </p14:xfrm>
+            </p:contentPart>
+          </mc:Choice>
+          <mc:Fallback>
+            <p:pic>
+              <p:nvPicPr>
+                <p:cNvPr id="42" name="Ink 41">
+                  <a:extLst>
+                    <a:ext uri="{FF2B5EF4-FFF2-40B4-BE49-F238E27FC236}">
+                      <a16:creationId xmlns:a16="http://schemas.microsoft.com/office/drawing/2014/main" id="{FFB89DF9-CA89-80A6-5B3F-7B728013210F}"/>
+                    </a:ext>
+                  </a:extLst>
+                </p:cNvPr>
+                <p:cNvPicPr/>
+                <p:nvPr/>
+              </p:nvPicPr>
+              <p:blipFill>
+                <a:blip r:embed="rId7"/>
+                <a:stretch>
+                  <a:fillRect/>
+                </a:stretch>
+              </p:blipFill>
+              <p:spPr>
+                <a:xfrm>
+                  <a:off x="4935485" y="3226789"/>
+                  <a:ext cx="183960" cy="117000"/>
+                </a:xfrm>
+                <a:prstGeom prst="rect">
+                  <a:avLst/>
+                </a:prstGeom>
+              </p:spPr>
+            </p:pic>
+          </mc:Fallback>
+        </mc:AlternateContent>
+        <mc:AlternateContent xmlns:mc="http://schemas.openxmlformats.org/markup-compatibility/2006">
+          <mc:Choice xmlns:p14="http://schemas.microsoft.com/office/powerpoint/2010/main" Requires="p14">
+            <p:contentPart p14:bwMode="auto" r:id="rId8">
+              <p14:nvContentPartPr>
+                <p14:cNvPr id="43" name="Ink 42">
+                  <a:extLst>
+                    <a:ext uri="{FF2B5EF4-FFF2-40B4-BE49-F238E27FC236}">
+                      <a16:creationId xmlns:a16="http://schemas.microsoft.com/office/drawing/2014/main" id="{601ED13A-557D-A8F8-AAFF-B68E86212FBE}"/>
+                    </a:ext>
+                  </a:extLst>
+                </p14:cNvPr>
+                <p14:cNvContentPartPr/>
+                <p14:nvPr/>
+              </p14:nvContentPartPr>
+              <p14:xfrm>
+                <a:off x="5173445" y="3084949"/>
+                <a:ext cx="208800" cy="122760"/>
+              </p14:xfrm>
+            </p:contentPart>
+          </mc:Choice>
+          <mc:Fallback>
+            <p:pic>
+              <p:nvPicPr>
+                <p:cNvPr id="43" name="Ink 42">
+                  <a:extLst>
+                    <a:ext uri="{FF2B5EF4-FFF2-40B4-BE49-F238E27FC236}">
+                      <a16:creationId xmlns:a16="http://schemas.microsoft.com/office/drawing/2014/main" id="{601ED13A-557D-A8F8-AAFF-B68E86212FBE}"/>
+                    </a:ext>
+                  </a:extLst>
+                </p:cNvPr>
+                <p:cNvPicPr/>
+                <p:nvPr/>
+              </p:nvPicPr>
+              <p:blipFill>
+                <a:blip r:embed="rId9"/>
+                <a:stretch>
+                  <a:fillRect/>
+                </a:stretch>
+              </p:blipFill>
+              <p:spPr>
+                <a:xfrm>
+                  <a:off x="5164805" y="3076309"/>
+                  <a:ext cx="226440" cy="140400"/>
+                </a:xfrm>
+                <a:prstGeom prst="rect">
+                  <a:avLst/>
+                </a:prstGeom>
+              </p:spPr>
+            </p:pic>
+          </mc:Fallback>
+        </mc:AlternateContent>
+        <mc:AlternateContent xmlns:mc="http://schemas.openxmlformats.org/markup-compatibility/2006">
+          <mc:Choice xmlns:p14="http://schemas.microsoft.com/office/powerpoint/2010/main" Requires="p14">
+            <p:contentPart p14:bwMode="auto" r:id="rId10">
+              <p14:nvContentPartPr>
+                <p14:cNvPr id="45" name="Ink 44">
+                  <a:extLst>
+                    <a:ext uri="{FF2B5EF4-FFF2-40B4-BE49-F238E27FC236}">
+                      <a16:creationId xmlns:a16="http://schemas.microsoft.com/office/drawing/2014/main" id="{AB28051C-C02D-6297-4452-553EC5AD985F}"/>
+                    </a:ext>
+                  </a:extLst>
+                </p14:cNvPr>
+                <p14:cNvContentPartPr/>
+                <p14:nvPr/>
+              </p14:nvContentPartPr>
+              <p14:xfrm>
+                <a:off x="5484125" y="2909989"/>
+                <a:ext cx="288720" cy="128880"/>
+              </p14:xfrm>
+            </p:contentPart>
+          </mc:Choice>
+          <mc:Fallback>
+            <p:pic>
+              <p:nvPicPr>
+                <p:cNvPr id="45" name="Ink 44">
+                  <a:extLst>
+                    <a:ext uri="{FF2B5EF4-FFF2-40B4-BE49-F238E27FC236}">
+                      <a16:creationId xmlns:a16="http://schemas.microsoft.com/office/drawing/2014/main" id="{AB28051C-C02D-6297-4452-553EC5AD985F}"/>
+                    </a:ext>
+                  </a:extLst>
+                </p:cNvPr>
+                <p:cNvPicPr/>
+                <p:nvPr/>
+              </p:nvPicPr>
+              <p:blipFill>
+                <a:blip r:embed="rId11"/>
+                <a:stretch>
+                  <a:fillRect/>
+                </a:stretch>
+              </p:blipFill>
+              <p:spPr>
+                <a:xfrm>
+                  <a:off x="5475485" y="2900989"/>
+                  <a:ext cx="306360" cy="146520"/>
+                </a:xfrm>
+                <a:prstGeom prst="rect">
+                  <a:avLst/>
+                </a:prstGeom>
+              </p:spPr>
+            </p:pic>
+          </mc:Fallback>
+        </mc:AlternateContent>
+        <mc:AlternateContent xmlns:mc="http://schemas.openxmlformats.org/markup-compatibility/2006">
+          <mc:Choice xmlns:p14="http://schemas.microsoft.com/office/powerpoint/2010/main" Requires="p14">
+            <p:contentPart p14:bwMode="auto" r:id="rId12">
+              <p14:nvContentPartPr>
+                <p14:cNvPr id="47" name="Ink 46">
+                  <a:extLst>
+                    <a:ext uri="{FF2B5EF4-FFF2-40B4-BE49-F238E27FC236}">
+                      <a16:creationId xmlns:a16="http://schemas.microsoft.com/office/drawing/2014/main" id="{A410D536-3C73-A3A5-B5C8-3B9D56E05269}"/>
+                    </a:ext>
+                  </a:extLst>
+                </p14:cNvPr>
+                <p14:cNvContentPartPr/>
+                <p14:nvPr/>
+              </p14:nvContentPartPr>
+              <p14:xfrm>
+                <a:off x="5892725" y="2782549"/>
+                <a:ext cx="240120" cy="92160"/>
+              </p14:xfrm>
+            </p:contentPart>
+          </mc:Choice>
+          <mc:Fallback>
+            <p:pic>
+              <p:nvPicPr>
+                <p:cNvPr id="47" name="Ink 46">
+                  <a:extLst>
+                    <a:ext uri="{FF2B5EF4-FFF2-40B4-BE49-F238E27FC236}">
+                      <a16:creationId xmlns:a16="http://schemas.microsoft.com/office/drawing/2014/main" id="{A410D536-3C73-A3A5-B5C8-3B9D56E05269}"/>
+                    </a:ext>
+                  </a:extLst>
+                </p:cNvPr>
+                <p:cNvPicPr/>
+                <p:nvPr/>
+              </p:nvPicPr>
+              <p:blipFill>
+                <a:blip r:embed="rId13"/>
+                <a:stretch>
+                  <a:fillRect/>
+                </a:stretch>
+              </p:blipFill>
+              <p:spPr>
+                <a:xfrm>
+                  <a:off x="5883725" y="2773549"/>
+                  <a:ext cx="257760" cy="109800"/>
+                </a:xfrm>
+                <a:prstGeom prst="rect">
+                  <a:avLst/>
+                </a:prstGeom>
+              </p:spPr>
+            </p:pic>
+          </mc:Fallback>
+        </mc:AlternateContent>
+        <mc:AlternateContent xmlns:mc="http://schemas.openxmlformats.org/markup-compatibility/2006">
+          <mc:Choice xmlns:p14="http://schemas.microsoft.com/office/powerpoint/2010/main" Requires="p14">
+            <p:contentPart p14:bwMode="auto" r:id="rId14">
+              <p14:nvContentPartPr>
+                <p14:cNvPr id="49" name="Ink 48">
+                  <a:extLst>
+                    <a:ext uri="{FF2B5EF4-FFF2-40B4-BE49-F238E27FC236}">
+                      <a16:creationId xmlns:a16="http://schemas.microsoft.com/office/drawing/2014/main" id="{476C8DE8-A365-6E05-039D-5CCB1A99E7B3}"/>
+                    </a:ext>
+                  </a:extLst>
+                </p14:cNvPr>
+                <p14:cNvContentPartPr/>
+                <p14:nvPr/>
+              </p14:nvContentPartPr>
+              <p14:xfrm>
+                <a:off x="6230045" y="2645029"/>
+                <a:ext cx="318600" cy="118440"/>
+              </p14:xfrm>
+            </p:contentPart>
+          </mc:Choice>
+          <mc:Fallback>
+            <p:pic>
+              <p:nvPicPr>
+                <p:cNvPr id="49" name="Ink 48">
+                  <a:extLst>
+                    <a:ext uri="{FF2B5EF4-FFF2-40B4-BE49-F238E27FC236}">
+                      <a16:creationId xmlns:a16="http://schemas.microsoft.com/office/drawing/2014/main" id="{476C8DE8-A365-6E05-039D-5CCB1A99E7B3}"/>
+                    </a:ext>
+                  </a:extLst>
+                </p:cNvPr>
+                <p:cNvPicPr/>
+                <p:nvPr/>
+              </p:nvPicPr>
+              <p:blipFill>
+                <a:blip r:embed="rId15"/>
+                <a:stretch>
+                  <a:fillRect/>
+                </a:stretch>
+              </p:blipFill>
+              <p:spPr>
+                <a:xfrm>
+                  <a:off x="6221405" y="2636029"/>
+                  <a:ext cx="336240" cy="136080"/>
+                </a:xfrm>
+                <a:prstGeom prst="rect">
+                  <a:avLst/>
+                </a:prstGeom>
+              </p:spPr>
+            </p:pic>
+          </mc:Fallback>
+        </mc:AlternateContent>
+        <mc:AlternateContent xmlns:mc="http://schemas.openxmlformats.org/markup-compatibility/2006">
+          <mc:Choice xmlns:p14="http://schemas.microsoft.com/office/powerpoint/2010/main" Requires="p14">
+            <p:contentPart p14:bwMode="auto" r:id="rId16">
+              <p14:nvContentPartPr>
+                <p14:cNvPr id="51" name="Ink 50">
+                  <a:extLst>
+                    <a:ext uri="{FF2B5EF4-FFF2-40B4-BE49-F238E27FC236}">
+                      <a16:creationId xmlns:a16="http://schemas.microsoft.com/office/drawing/2014/main" id="{3D9C1DE0-70F5-0B8F-9396-9314750A45DF}"/>
+                    </a:ext>
+                  </a:extLst>
+                </p14:cNvPr>
+                <p14:cNvContentPartPr/>
+                <p14:nvPr/>
+              </p14:nvContentPartPr>
+              <p14:xfrm>
+                <a:off x="6650525" y="2545669"/>
+                <a:ext cx="261360" cy="84960"/>
+              </p14:xfrm>
+            </p:contentPart>
+          </mc:Choice>
+          <mc:Fallback>
+            <p:pic>
+              <p:nvPicPr>
+                <p:cNvPr id="51" name="Ink 50">
+                  <a:extLst>
+                    <a:ext uri="{FF2B5EF4-FFF2-40B4-BE49-F238E27FC236}">
+                      <a16:creationId xmlns:a16="http://schemas.microsoft.com/office/drawing/2014/main" id="{3D9C1DE0-70F5-0B8F-9396-9314750A45DF}"/>
+                    </a:ext>
+                  </a:extLst>
+                </p:cNvPr>
+                <p:cNvPicPr/>
+                <p:nvPr/>
+              </p:nvPicPr>
+              <p:blipFill>
+                <a:blip r:embed="rId17"/>
+                <a:stretch>
+                  <a:fillRect/>
+                </a:stretch>
+              </p:blipFill>
+              <p:spPr>
+                <a:xfrm>
+                  <a:off x="6641885" y="2536669"/>
+                  <a:ext cx="279000" cy="102600"/>
+                </a:xfrm>
+                <a:prstGeom prst="rect">
+                  <a:avLst/>
+                </a:prstGeom>
+              </p:spPr>
+            </p:pic>
+          </mc:Fallback>
+        </mc:AlternateContent>
+        <mc:AlternateContent xmlns:mc="http://schemas.openxmlformats.org/markup-compatibility/2006">
+          <mc:Choice xmlns:p14="http://schemas.microsoft.com/office/powerpoint/2010/main" Requires="p14">
+            <p:contentPart p14:bwMode="auto" r:id="rId18">
+              <p14:nvContentPartPr>
+                <p14:cNvPr id="53" name="Ink 52">
+                  <a:extLst>
+                    <a:ext uri="{FF2B5EF4-FFF2-40B4-BE49-F238E27FC236}">
+                      <a16:creationId xmlns:a16="http://schemas.microsoft.com/office/drawing/2014/main" id="{6BE10D3B-416A-F932-B134-1E64C40027DE}"/>
+                    </a:ext>
+                  </a:extLst>
+                </p14:cNvPr>
+                <p14:cNvContentPartPr/>
+                <p14:nvPr/>
+              </p14:nvContentPartPr>
+              <p14:xfrm>
+                <a:off x="7015925" y="2462869"/>
+                <a:ext cx="279360" cy="54360"/>
+              </p14:xfrm>
+            </p:contentPart>
+          </mc:Choice>
+          <mc:Fallback>
+            <p:pic>
+              <p:nvPicPr>
+                <p:cNvPr id="53" name="Ink 52">
+                  <a:extLst>
+                    <a:ext uri="{FF2B5EF4-FFF2-40B4-BE49-F238E27FC236}">
+                      <a16:creationId xmlns:a16="http://schemas.microsoft.com/office/drawing/2014/main" id="{6BE10D3B-416A-F932-B134-1E64C40027DE}"/>
+                    </a:ext>
+                  </a:extLst>
+                </p:cNvPr>
+                <p:cNvPicPr/>
+                <p:nvPr/>
+              </p:nvPicPr>
+              <p:blipFill>
+                <a:blip r:embed="rId19"/>
+                <a:stretch>
+                  <a:fillRect/>
+                </a:stretch>
+              </p:blipFill>
+              <p:spPr>
+                <a:xfrm>
+                  <a:off x="7007285" y="2454229"/>
+                  <a:ext cx="297000" cy="72000"/>
+                </a:xfrm>
+                <a:prstGeom prst="rect">
+                  <a:avLst/>
+                </a:prstGeom>
+              </p:spPr>
+            </p:pic>
+          </mc:Fallback>
+        </mc:AlternateContent>
+      </p:grpSp>
+      <p:sp>
+        <p:nvSpPr>
+          <p:cNvPr id="55" name="TextBox 54">
+            <a:extLst>
+              <a:ext uri="{FF2B5EF4-FFF2-40B4-BE49-F238E27FC236}">
+                <a16:creationId xmlns:a16="http://schemas.microsoft.com/office/drawing/2014/main" id="{6C9F2FF0-1157-F0DA-CB7F-16C925A245FC}"/>
+              </a:ext>
+            </a:extLst>
+          </p:cNvPr>
+          <p:cNvSpPr txBox="1"/>
+          <p:nvPr/>
+        </p:nvSpPr>
+        <p:spPr>
+          <a:xfrm>
+            <a:off x="5923729" y="4119345"/>
+            <a:ext cx="1523174" cy="523220"/>
+          </a:xfrm>
+          <a:prstGeom prst="rect">
+            <a:avLst/>
+          </a:prstGeom>
+          <a:noFill/>
+        </p:spPr>
+        <p:txBody>
+          <a:bodyPr wrap="none" rtlCol="0">
+            <a:spAutoFit/>
+          </a:bodyPr>
+          <a:lstStyle/>
+          <a:p>
+            <a:r>
+              <a:rPr lang="en-SE" sz="1400" dirty="0"/>
+              <a:t>Without further </a:t>
+            </a:r>
+          </a:p>
+          <a:p>
+            <a:r>
+              <a:rPr lang="en-SE" sz="1400" dirty="0"/>
+              <a:t>using and learning</a:t>
+            </a:r>
+          </a:p>
+        </p:txBody>
+      </p:sp>
+      <p:sp>
+        <p:nvSpPr>
+          <p:cNvPr id="57" name="TextBox 56">
+            <a:extLst>
+              <a:ext uri="{FF2B5EF4-FFF2-40B4-BE49-F238E27FC236}">
+                <a16:creationId xmlns:a16="http://schemas.microsoft.com/office/drawing/2014/main" id="{06A866AB-D28B-3357-8E46-8CCA6294930A}"/>
+              </a:ext>
+            </a:extLst>
+          </p:cNvPr>
+          <p:cNvSpPr txBox="1"/>
+          <p:nvPr/>
+        </p:nvSpPr>
+        <p:spPr>
+          <a:xfrm>
+            <a:off x="4944363" y="2172825"/>
+            <a:ext cx="2156296" cy="307777"/>
+          </a:xfrm>
+          <a:prstGeom prst="rect">
+            <a:avLst/>
+          </a:prstGeom>
+          <a:noFill/>
+        </p:spPr>
+        <p:txBody>
+          <a:bodyPr wrap="none" rtlCol="0">
+            <a:spAutoFit/>
+          </a:bodyPr>
+          <a:lstStyle/>
+          <a:p>
+            <a:r>
+              <a:rPr lang="en-SE" sz="1400" dirty="0"/>
+              <a:t>Keep on using and learning</a:t>
+            </a:r>
+          </a:p>
+        </p:txBody>
+      </p:sp>
+      <p:sp>
+        <p:nvSpPr>
+          <p:cNvPr id="58" name="TextBox 57">
+            <a:extLst>
+              <a:ext uri="{FF2B5EF4-FFF2-40B4-BE49-F238E27FC236}">
+                <a16:creationId xmlns:a16="http://schemas.microsoft.com/office/drawing/2014/main" id="{BC094F0D-8D33-3DE5-58BF-F3D797A389F0}"/>
+              </a:ext>
+            </a:extLst>
+          </p:cNvPr>
+          <p:cNvSpPr txBox="1"/>
+          <p:nvPr/>
+        </p:nvSpPr>
+        <p:spPr>
+          <a:xfrm>
+            <a:off x="5910930" y="6173143"/>
+            <a:ext cx="1796517" cy="276999"/>
+          </a:xfrm>
+          <a:prstGeom prst="rect">
+            <a:avLst/>
+          </a:prstGeom>
+          <a:noFill/>
+        </p:spPr>
+        <p:txBody>
+          <a:bodyPr wrap="none" rtlCol="0">
+            <a:spAutoFit/>
+          </a:bodyPr>
+          <a:lstStyle/>
+          <a:p>
+            <a:r>
+              <a:rPr lang="en-SE" sz="1200" dirty="0"/>
+              <a:t>Inspired from Dr. Hu’s talk</a:t>
             </a:r>
           </a:p>
         </p:txBody>
@@ -3353,7 +5467,7 @@
     </p:spTree>
     <p:extLst>
       <p:ext uri="{BB962C8B-B14F-4D97-AF65-F5344CB8AC3E}">
-        <p14:creationId xmlns:p14="http://schemas.microsoft.com/office/powerpoint/2010/main" val="729914189"/>
+        <p14:creationId xmlns:p14="http://schemas.microsoft.com/office/powerpoint/2010/main" val="2241720743"/>
       </p:ext>
     </p:extLst>
   </p:cSld>
